--- a/docs/diagrams/ParseLoadSequence.pptx
+++ b/docs/diagrams/ParseLoadSequence.pptx
@@ -54,7 +54,7 @@
       <a:buFontTx/>
       <a:buNone/>
       <a:tabLst/>
-      <a:defRPr b="1" baseline="0" cap="none" i="0" spc="0" strike="noStrike" sz="2400" u="none" kumimoji="0" normalizeH="0">
+      <a:defRPr b="0" baseline="0" cap="none" i="0" spc="0" strike="noStrike" sz="2400" u="none" kumimoji="0" normalizeH="0">
         <a:ln>
           <a:noFill/>
         </a:ln>
@@ -63,13 +63,13 @@
         </a:solidFill>
         <a:effectLst/>
         <a:uFillTx/>
-        <a:latin typeface="Helvetica Neue"/>
-        <a:ea typeface="Helvetica Neue"/>
-        <a:cs typeface="Helvetica Neue"/>
-        <a:sym typeface="Helvetica Neue"/>
+        <a:latin typeface="Helvetica Neue Medium"/>
+        <a:ea typeface="Helvetica Neue Medium"/>
+        <a:cs typeface="Helvetica Neue Medium"/>
+        <a:sym typeface="Helvetica Neue Medium"/>
       </a:defRPr>
     </a:lvl1pPr>
-    <a:lvl2pPr marL="0" marR="0" indent="228600" algn="ctr" defTabSz="584200" rtl="0" fontAlgn="auto" latinLnBrk="0" hangingPunct="0">
+    <a:lvl2pPr marL="0" marR="0" indent="0" algn="ctr" defTabSz="584200" rtl="0" fontAlgn="auto" latinLnBrk="0" hangingPunct="0">
       <a:lnSpc>
         <a:spcPct val="100000"/>
       </a:lnSpc>
@@ -84,7 +84,7 @@
       <a:buFontTx/>
       <a:buNone/>
       <a:tabLst/>
-      <a:defRPr b="1" baseline="0" cap="none" i="0" spc="0" strike="noStrike" sz="2400" u="none" kumimoji="0" normalizeH="0">
+      <a:defRPr b="0" baseline="0" cap="none" i="0" spc="0" strike="noStrike" sz="2400" u="none" kumimoji="0" normalizeH="0">
         <a:ln>
           <a:noFill/>
         </a:ln>
@@ -93,13 +93,13 @@
         </a:solidFill>
         <a:effectLst/>
         <a:uFillTx/>
-        <a:latin typeface="Helvetica Neue"/>
-        <a:ea typeface="Helvetica Neue"/>
-        <a:cs typeface="Helvetica Neue"/>
-        <a:sym typeface="Helvetica Neue"/>
+        <a:latin typeface="Helvetica Neue Medium"/>
+        <a:ea typeface="Helvetica Neue Medium"/>
+        <a:cs typeface="Helvetica Neue Medium"/>
+        <a:sym typeface="Helvetica Neue Medium"/>
       </a:defRPr>
     </a:lvl2pPr>
-    <a:lvl3pPr marL="0" marR="0" indent="457200" algn="ctr" defTabSz="584200" rtl="0" fontAlgn="auto" latinLnBrk="0" hangingPunct="0">
+    <a:lvl3pPr marL="0" marR="0" indent="0" algn="ctr" defTabSz="584200" rtl="0" fontAlgn="auto" latinLnBrk="0" hangingPunct="0">
       <a:lnSpc>
         <a:spcPct val="100000"/>
       </a:lnSpc>
@@ -114,7 +114,7 @@
       <a:buFontTx/>
       <a:buNone/>
       <a:tabLst/>
-      <a:defRPr b="1" baseline="0" cap="none" i="0" spc="0" strike="noStrike" sz="2400" u="none" kumimoji="0" normalizeH="0">
+      <a:defRPr b="0" baseline="0" cap="none" i="0" spc="0" strike="noStrike" sz="2400" u="none" kumimoji="0" normalizeH="0">
         <a:ln>
           <a:noFill/>
         </a:ln>
@@ -123,13 +123,13 @@
         </a:solidFill>
         <a:effectLst/>
         <a:uFillTx/>
-        <a:latin typeface="Helvetica Neue"/>
-        <a:ea typeface="Helvetica Neue"/>
-        <a:cs typeface="Helvetica Neue"/>
-        <a:sym typeface="Helvetica Neue"/>
+        <a:latin typeface="Helvetica Neue Medium"/>
+        <a:ea typeface="Helvetica Neue Medium"/>
+        <a:cs typeface="Helvetica Neue Medium"/>
+        <a:sym typeface="Helvetica Neue Medium"/>
       </a:defRPr>
     </a:lvl3pPr>
-    <a:lvl4pPr marL="0" marR="0" indent="685800" algn="ctr" defTabSz="584200" rtl="0" fontAlgn="auto" latinLnBrk="0" hangingPunct="0">
+    <a:lvl4pPr marL="0" marR="0" indent="0" algn="ctr" defTabSz="584200" rtl="0" fontAlgn="auto" latinLnBrk="0" hangingPunct="0">
       <a:lnSpc>
         <a:spcPct val="100000"/>
       </a:lnSpc>
@@ -144,7 +144,7 @@
       <a:buFontTx/>
       <a:buNone/>
       <a:tabLst/>
-      <a:defRPr b="1" baseline="0" cap="none" i="0" spc="0" strike="noStrike" sz="2400" u="none" kumimoji="0" normalizeH="0">
+      <a:defRPr b="0" baseline="0" cap="none" i="0" spc="0" strike="noStrike" sz="2400" u="none" kumimoji="0" normalizeH="0">
         <a:ln>
           <a:noFill/>
         </a:ln>
@@ -153,13 +153,13 @@
         </a:solidFill>
         <a:effectLst/>
         <a:uFillTx/>
-        <a:latin typeface="Helvetica Neue"/>
-        <a:ea typeface="Helvetica Neue"/>
-        <a:cs typeface="Helvetica Neue"/>
-        <a:sym typeface="Helvetica Neue"/>
+        <a:latin typeface="Helvetica Neue Medium"/>
+        <a:ea typeface="Helvetica Neue Medium"/>
+        <a:cs typeface="Helvetica Neue Medium"/>
+        <a:sym typeface="Helvetica Neue Medium"/>
       </a:defRPr>
     </a:lvl4pPr>
-    <a:lvl5pPr marL="0" marR="0" indent="914400" algn="ctr" defTabSz="584200" rtl="0" fontAlgn="auto" latinLnBrk="0" hangingPunct="0">
+    <a:lvl5pPr marL="0" marR="0" indent="0" algn="ctr" defTabSz="584200" rtl="0" fontAlgn="auto" latinLnBrk="0" hangingPunct="0">
       <a:lnSpc>
         <a:spcPct val="100000"/>
       </a:lnSpc>
@@ -174,7 +174,7 @@
       <a:buFontTx/>
       <a:buNone/>
       <a:tabLst/>
-      <a:defRPr b="1" baseline="0" cap="none" i="0" spc="0" strike="noStrike" sz="2400" u="none" kumimoji="0" normalizeH="0">
+      <a:defRPr b="0" baseline="0" cap="none" i="0" spc="0" strike="noStrike" sz="2400" u="none" kumimoji="0" normalizeH="0">
         <a:ln>
           <a:noFill/>
         </a:ln>
@@ -183,13 +183,13 @@
         </a:solidFill>
         <a:effectLst/>
         <a:uFillTx/>
-        <a:latin typeface="Helvetica Neue"/>
-        <a:ea typeface="Helvetica Neue"/>
-        <a:cs typeface="Helvetica Neue"/>
-        <a:sym typeface="Helvetica Neue"/>
+        <a:latin typeface="Helvetica Neue Medium"/>
+        <a:ea typeface="Helvetica Neue Medium"/>
+        <a:cs typeface="Helvetica Neue Medium"/>
+        <a:sym typeface="Helvetica Neue Medium"/>
       </a:defRPr>
     </a:lvl5pPr>
-    <a:lvl6pPr marL="0" marR="0" indent="1143000" algn="ctr" defTabSz="584200" rtl="0" fontAlgn="auto" latinLnBrk="0" hangingPunct="0">
+    <a:lvl6pPr marL="0" marR="0" indent="0" algn="ctr" defTabSz="584200" rtl="0" fontAlgn="auto" latinLnBrk="0" hangingPunct="0">
       <a:lnSpc>
         <a:spcPct val="100000"/>
       </a:lnSpc>
@@ -204,7 +204,7 @@
       <a:buFontTx/>
       <a:buNone/>
       <a:tabLst/>
-      <a:defRPr b="1" baseline="0" cap="none" i="0" spc="0" strike="noStrike" sz="2400" u="none" kumimoji="0" normalizeH="0">
+      <a:defRPr b="0" baseline="0" cap="none" i="0" spc="0" strike="noStrike" sz="2400" u="none" kumimoji="0" normalizeH="0">
         <a:ln>
           <a:noFill/>
         </a:ln>
@@ -213,13 +213,13 @@
         </a:solidFill>
         <a:effectLst/>
         <a:uFillTx/>
-        <a:latin typeface="Helvetica Neue"/>
-        <a:ea typeface="Helvetica Neue"/>
-        <a:cs typeface="Helvetica Neue"/>
-        <a:sym typeface="Helvetica Neue"/>
+        <a:latin typeface="Helvetica Neue Medium"/>
+        <a:ea typeface="Helvetica Neue Medium"/>
+        <a:cs typeface="Helvetica Neue Medium"/>
+        <a:sym typeface="Helvetica Neue Medium"/>
       </a:defRPr>
     </a:lvl6pPr>
-    <a:lvl7pPr marL="0" marR="0" indent="1371600" algn="ctr" defTabSz="584200" rtl="0" fontAlgn="auto" latinLnBrk="0" hangingPunct="0">
+    <a:lvl7pPr marL="0" marR="0" indent="0" algn="ctr" defTabSz="584200" rtl="0" fontAlgn="auto" latinLnBrk="0" hangingPunct="0">
       <a:lnSpc>
         <a:spcPct val="100000"/>
       </a:lnSpc>
@@ -234,7 +234,7 @@
       <a:buFontTx/>
       <a:buNone/>
       <a:tabLst/>
-      <a:defRPr b="1" baseline="0" cap="none" i="0" spc="0" strike="noStrike" sz="2400" u="none" kumimoji="0" normalizeH="0">
+      <a:defRPr b="0" baseline="0" cap="none" i="0" spc="0" strike="noStrike" sz="2400" u="none" kumimoji="0" normalizeH="0">
         <a:ln>
           <a:noFill/>
         </a:ln>
@@ -243,13 +243,13 @@
         </a:solidFill>
         <a:effectLst/>
         <a:uFillTx/>
-        <a:latin typeface="Helvetica Neue"/>
-        <a:ea typeface="Helvetica Neue"/>
-        <a:cs typeface="Helvetica Neue"/>
-        <a:sym typeface="Helvetica Neue"/>
+        <a:latin typeface="Helvetica Neue Medium"/>
+        <a:ea typeface="Helvetica Neue Medium"/>
+        <a:cs typeface="Helvetica Neue Medium"/>
+        <a:sym typeface="Helvetica Neue Medium"/>
       </a:defRPr>
     </a:lvl7pPr>
-    <a:lvl8pPr marL="0" marR="0" indent="1600200" algn="ctr" defTabSz="584200" rtl="0" fontAlgn="auto" latinLnBrk="0" hangingPunct="0">
+    <a:lvl8pPr marL="0" marR="0" indent="0" algn="ctr" defTabSz="584200" rtl="0" fontAlgn="auto" latinLnBrk="0" hangingPunct="0">
       <a:lnSpc>
         <a:spcPct val="100000"/>
       </a:lnSpc>
@@ -264,7 +264,7 @@
       <a:buFontTx/>
       <a:buNone/>
       <a:tabLst/>
-      <a:defRPr b="1" baseline="0" cap="none" i="0" spc="0" strike="noStrike" sz="2400" u="none" kumimoji="0" normalizeH="0">
+      <a:defRPr b="0" baseline="0" cap="none" i="0" spc="0" strike="noStrike" sz="2400" u="none" kumimoji="0" normalizeH="0">
         <a:ln>
           <a:noFill/>
         </a:ln>
@@ -273,13 +273,13 @@
         </a:solidFill>
         <a:effectLst/>
         <a:uFillTx/>
-        <a:latin typeface="Helvetica Neue"/>
-        <a:ea typeface="Helvetica Neue"/>
-        <a:cs typeface="Helvetica Neue"/>
-        <a:sym typeface="Helvetica Neue"/>
+        <a:latin typeface="Helvetica Neue Medium"/>
+        <a:ea typeface="Helvetica Neue Medium"/>
+        <a:cs typeface="Helvetica Neue Medium"/>
+        <a:sym typeface="Helvetica Neue Medium"/>
       </a:defRPr>
     </a:lvl8pPr>
-    <a:lvl9pPr marL="0" marR="0" indent="1828800" algn="ctr" defTabSz="584200" rtl="0" fontAlgn="auto" latinLnBrk="0" hangingPunct="0">
+    <a:lvl9pPr marL="0" marR="0" indent="0" algn="ctr" defTabSz="584200" rtl="0" fontAlgn="auto" latinLnBrk="0" hangingPunct="0">
       <a:lnSpc>
         <a:spcPct val="100000"/>
       </a:lnSpc>
@@ -294,7 +294,7 @@
       <a:buFontTx/>
       <a:buNone/>
       <a:tabLst/>
-      <a:defRPr b="1" baseline="0" cap="none" i="0" spc="0" strike="noStrike" sz="2400" u="none" kumimoji="0" normalizeH="0">
+      <a:defRPr b="0" baseline="0" cap="none" i="0" spc="0" strike="noStrike" sz="2400" u="none" kumimoji="0" normalizeH="0">
         <a:ln>
           <a:noFill/>
         </a:ln>
@@ -303,10 +303,10 @@
         </a:solidFill>
         <a:effectLst/>
         <a:uFillTx/>
-        <a:latin typeface="Helvetica Neue"/>
-        <a:ea typeface="Helvetica Neue"/>
-        <a:cs typeface="Helvetica Neue"/>
-        <a:sym typeface="Helvetica Neue"/>
+        <a:latin typeface="Helvetica Neue Medium"/>
+        <a:ea typeface="Helvetica Neue Medium"/>
+        <a:cs typeface="Helvetica Neue Medium"/>
+        <a:sym typeface="Helvetica Neue Medium"/>
       </a:defRPr>
     </a:lvl9pPr>
   </p:defaultTextStyle>
@@ -393,9 +393,9 @@
         <a:spcPct val="117999"/>
       </a:lnSpc>
       <a:defRPr sz="2200">
-        <a:latin typeface="Helvetica Neue"/>
-        <a:ea typeface="Helvetica Neue"/>
-        <a:cs typeface="Helvetica Neue"/>
+        <a:latin typeface="+mn-lt"/>
+        <a:ea typeface="+mn-ea"/>
+        <a:cs typeface="+mn-cs"/>
         <a:sym typeface="Helvetica Neue"/>
       </a:defRPr>
     </a:lvl1pPr>
@@ -404,9 +404,9 @@
         <a:spcPct val="117999"/>
       </a:lnSpc>
       <a:defRPr sz="2200">
-        <a:latin typeface="Helvetica Neue"/>
-        <a:ea typeface="Helvetica Neue"/>
-        <a:cs typeface="Helvetica Neue"/>
+        <a:latin typeface="+mn-lt"/>
+        <a:ea typeface="+mn-ea"/>
+        <a:cs typeface="+mn-cs"/>
         <a:sym typeface="Helvetica Neue"/>
       </a:defRPr>
     </a:lvl2pPr>
@@ -415,9 +415,9 @@
         <a:spcPct val="117999"/>
       </a:lnSpc>
       <a:defRPr sz="2200">
-        <a:latin typeface="Helvetica Neue"/>
-        <a:ea typeface="Helvetica Neue"/>
-        <a:cs typeface="Helvetica Neue"/>
+        <a:latin typeface="+mn-lt"/>
+        <a:ea typeface="+mn-ea"/>
+        <a:cs typeface="+mn-cs"/>
         <a:sym typeface="Helvetica Neue"/>
       </a:defRPr>
     </a:lvl3pPr>
@@ -426,9 +426,9 @@
         <a:spcPct val="117999"/>
       </a:lnSpc>
       <a:defRPr sz="2200">
-        <a:latin typeface="Helvetica Neue"/>
-        <a:ea typeface="Helvetica Neue"/>
-        <a:cs typeface="Helvetica Neue"/>
+        <a:latin typeface="+mn-lt"/>
+        <a:ea typeface="+mn-ea"/>
+        <a:cs typeface="+mn-cs"/>
         <a:sym typeface="Helvetica Neue"/>
       </a:defRPr>
     </a:lvl4pPr>
@@ -437,9 +437,9 @@
         <a:spcPct val="117999"/>
       </a:lnSpc>
       <a:defRPr sz="2200">
-        <a:latin typeface="Helvetica Neue"/>
-        <a:ea typeface="Helvetica Neue"/>
-        <a:cs typeface="Helvetica Neue"/>
+        <a:latin typeface="+mn-lt"/>
+        <a:ea typeface="+mn-ea"/>
+        <a:cs typeface="+mn-cs"/>
         <a:sym typeface="Helvetica Neue"/>
       </a:defRPr>
     </a:lvl5pPr>
@@ -448,9 +448,9 @@
         <a:spcPct val="117999"/>
       </a:lnSpc>
       <a:defRPr sz="2200">
-        <a:latin typeface="Helvetica Neue"/>
-        <a:ea typeface="Helvetica Neue"/>
-        <a:cs typeface="Helvetica Neue"/>
+        <a:latin typeface="+mn-lt"/>
+        <a:ea typeface="+mn-ea"/>
+        <a:cs typeface="+mn-cs"/>
         <a:sym typeface="Helvetica Neue"/>
       </a:defRPr>
     </a:lvl6pPr>
@@ -459,9 +459,9 @@
         <a:spcPct val="117999"/>
       </a:lnSpc>
       <a:defRPr sz="2200">
-        <a:latin typeface="Helvetica Neue"/>
-        <a:ea typeface="Helvetica Neue"/>
-        <a:cs typeface="Helvetica Neue"/>
+        <a:latin typeface="+mn-lt"/>
+        <a:ea typeface="+mn-ea"/>
+        <a:cs typeface="+mn-cs"/>
         <a:sym typeface="Helvetica Neue"/>
       </a:defRPr>
     </a:lvl7pPr>
@@ -470,9 +470,9 @@
         <a:spcPct val="117999"/>
       </a:lnSpc>
       <a:defRPr sz="2200">
-        <a:latin typeface="Helvetica Neue"/>
-        <a:ea typeface="Helvetica Neue"/>
-        <a:cs typeface="Helvetica Neue"/>
+        <a:latin typeface="+mn-lt"/>
+        <a:ea typeface="+mn-ea"/>
+        <a:cs typeface="+mn-cs"/>
         <a:sym typeface="Helvetica Neue"/>
       </a:defRPr>
     </a:lvl8pPr>
@@ -481,9 +481,9 @@
         <a:spcPct val="117999"/>
       </a:lnSpc>
       <a:defRPr sz="2200">
-        <a:latin typeface="Helvetica Neue"/>
-        <a:ea typeface="Helvetica Neue"/>
-        <a:cs typeface="Helvetica Neue"/>
+        <a:latin typeface="+mn-lt"/>
+        <a:ea typeface="+mn-ea"/>
+        <a:cs typeface="+mn-cs"/>
         <a:sym typeface="Helvetica Neue"/>
       </a:defRPr>
     </a:lvl9pPr>
@@ -564,7 +564,7 @@
               <a:buNone/>
               <a:defRPr sz="3700"/>
             </a:lvl1pPr>
-            <a:lvl2pPr marL="0" indent="228600" algn="ctr">
+            <a:lvl2pPr marL="0" indent="0" algn="ctr">
               <a:spcBef>
                 <a:spcPts val="0"/>
               </a:spcBef>
@@ -572,7 +572,7 @@
               <a:buNone/>
               <a:defRPr sz="3700"/>
             </a:lvl2pPr>
-            <a:lvl3pPr marL="0" indent="457200" algn="ctr">
+            <a:lvl3pPr marL="0" indent="0" algn="ctr">
               <a:spcBef>
                 <a:spcPts val="0"/>
               </a:spcBef>
@@ -580,7 +580,7 @@
               <a:buNone/>
               <a:defRPr sz="3700"/>
             </a:lvl3pPr>
-            <a:lvl4pPr marL="0" indent="685800" algn="ctr">
+            <a:lvl4pPr marL="0" indent="0" algn="ctr">
               <a:spcBef>
                 <a:spcPts val="0"/>
               </a:spcBef>
@@ -588,7 +588,7 @@
               <a:buNone/>
               <a:defRPr sz="3700"/>
             </a:lvl4pPr>
-            <a:lvl5pPr marL="0" indent="914400" algn="ctr">
+            <a:lvl5pPr marL="0" indent="0" algn="ctr">
               <a:spcBef>
                 <a:spcPts val="0"/>
               </a:spcBef>
@@ -688,10 +688,10 @@
       </p:grpSpPr>
       <p:sp>
         <p:nvSpPr>
-          <p:cNvPr id="93" name="–Johnny Appleseed"/>
+          <p:cNvPr id="93" name="Body Level One…"/>
           <p:cNvSpPr txBox="1"/>
           <p:nvPr>
-            <p:ph type="body" sz="quarter" idx="13"/>
+            <p:ph type="body" sz="quarter" idx="1"/>
           </p:nvPr>
         </p:nvSpPr>
         <p:spPr>
@@ -704,9 +704,7 @@
           </a:prstGeom>
         </p:spPr>
         <p:txBody>
-          <a:bodyPr anchor="t">
-            <a:spAutoFit/>
-          </a:bodyPr>
+          <a:bodyPr anchor="t"/>
           <a:lstStyle>
             <a:lvl1pPr marL="0" indent="0" algn="ctr">
               <a:spcBef>
@@ -716,11 +714,59 @@
               <a:buNone/>
               <a:defRPr i="1" sz="2400"/>
             </a:lvl1pPr>
+            <a:lvl2pPr marL="777875" indent="-333375" algn="ctr">
+              <a:spcBef>
+                <a:spcPts val="0"/>
+              </a:spcBef>
+              <a:defRPr i="1" sz="2400"/>
+            </a:lvl2pPr>
+            <a:lvl3pPr marL="1222375" indent="-333375" algn="ctr">
+              <a:spcBef>
+                <a:spcPts val="0"/>
+              </a:spcBef>
+              <a:defRPr i="1" sz="2400"/>
+            </a:lvl3pPr>
+            <a:lvl4pPr marL="1666875" indent="-333375" algn="ctr">
+              <a:spcBef>
+                <a:spcPts val="0"/>
+              </a:spcBef>
+              <a:defRPr i="1" sz="2400"/>
+            </a:lvl4pPr>
+            <a:lvl5pPr marL="2111375" indent="-333375" algn="ctr">
+              <a:spcBef>
+                <a:spcPts val="0"/>
+              </a:spcBef>
+              <a:defRPr i="1" sz="2400"/>
+            </a:lvl5pPr>
           </a:lstStyle>
           <a:p>
             <a:pPr/>
             <a:r>
-              <a:t>–Johnny Appleseed</a:t>
+              <a:t>Body Level One</a:t>
+            </a:r>
+          </a:p>
+          <a:p>
+            <a:pPr lvl="1"/>
+            <a:r>
+              <a:t>Body Level Two</a:t>
+            </a:r>
+          </a:p>
+          <a:p>
+            <a:pPr lvl="2"/>
+            <a:r>
+              <a:t>Body Level Three</a:t>
+            </a:r>
+          </a:p>
+          <a:p>
+            <a:pPr lvl="3"/>
+            <a:r>
+              <a:t>Body Level Four</a:t>
+            </a:r>
+          </a:p>
+          <a:p>
+            <a:pPr lvl="4"/>
+            <a:r>
+              <a:t>Body Level Five</a:t>
             </a:r>
           </a:p>
         </p:txBody>
@@ -730,42 +776,35 @@
           <p:cNvPr id="94" name="“Type a quote here.”"/>
           <p:cNvSpPr txBox="1"/>
           <p:nvPr>
-            <p:ph type="body" sz="quarter" idx="14"/>
+            <p:ph type="body" sz="quarter" idx="13"/>
           </p:nvPr>
         </p:nvSpPr>
         <p:spPr>
           <a:xfrm>
             <a:off x="1270000" y="4267112"/>
-            <a:ext cx="10464800" cy="609776"/>
+            <a:ext cx="10464800" cy="609777"/>
           </a:xfrm>
           <a:prstGeom prst="rect">
             <a:avLst/>
           </a:prstGeom>
         </p:spPr>
         <p:txBody>
-          <a:bodyPr>
-            <a:spAutoFit/>
-          </a:bodyPr>
-          <a:lstStyle>
-            <a:lvl1pPr marL="0" indent="0" algn="ctr">
+          <a:bodyPr/>
+          <a:lstStyle/>
+          <a:p>
+            <a:pPr marL="0" indent="0" algn="ctr">
               <a:spcBef>
                 <a:spcPts val="0"/>
               </a:spcBef>
               <a:buSzTx/>
               <a:buNone/>
               <a:defRPr sz="3400">
-                <a:latin typeface="+mn-lt"/>
-                <a:ea typeface="+mn-ea"/>
-                <a:cs typeface="+mn-cs"/>
+                <a:latin typeface="Helvetica Neue Medium"/>
+                <a:ea typeface="Helvetica Neue Medium"/>
+                <a:cs typeface="Helvetica Neue Medium"/>
                 <a:sym typeface="Helvetica Neue Medium"/>
               </a:defRPr>
-            </a:lvl1pPr>
-          </a:lstStyle>
-          <a:p>
-            <a:pPr/>
-            <a:r>
-              <a:t>“Type a quote here.” </a:t>
-            </a:r>
+            </a:pPr>
           </a:p>
         </p:txBody>
       </p:sp>
@@ -1023,7 +1062,7 @@
               <a:buNone/>
               <a:defRPr sz="3700"/>
             </a:lvl1pPr>
-            <a:lvl2pPr marL="0" indent="228600" algn="ctr">
+            <a:lvl2pPr marL="0" indent="0" algn="ctr">
               <a:spcBef>
                 <a:spcPts val="0"/>
               </a:spcBef>
@@ -1031,7 +1070,7 @@
               <a:buNone/>
               <a:defRPr sz="3700"/>
             </a:lvl2pPr>
-            <a:lvl3pPr marL="0" indent="457200" algn="ctr">
+            <a:lvl3pPr marL="0" indent="0" algn="ctr">
               <a:spcBef>
                 <a:spcPts val="0"/>
               </a:spcBef>
@@ -1039,7 +1078,7 @@
               <a:buNone/>
               <a:defRPr sz="3700"/>
             </a:lvl3pPr>
-            <a:lvl4pPr marL="0" indent="685800" algn="ctr">
+            <a:lvl4pPr marL="0" indent="0" algn="ctr">
               <a:spcBef>
                 <a:spcPts val="0"/>
               </a:spcBef>
@@ -1047,7 +1086,7 @@
               <a:buNone/>
               <a:defRPr sz="3700"/>
             </a:lvl4pPr>
-            <a:lvl5pPr marL="0" indent="914400" algn="ctr">
+            <a:lvl5pPr marL="0" indent="0" algn="ctr">
               <a:spcBef>
                 <a:spcPts val="0"/>
               </a:spcBef>
@@ -1299,7 +1338,7 @@
               <a:buNone/>
               <a:defRPr sz="3700"/>
             </a:lvl1pPr>
-            <a:lvl2pPr marL="0" indent="228600" algn="ctr">
+            <a:lvl2pPr marL="0" indent="0" algn="ctr">
               <a:spcBef>
                 <a:spcPts val="0"/>
               </a:spcBef>
@@ -1307,7 +1346,7 @@
               <a:buNone/>
               <a:defRPr sz="3700"/>
             </a:lvl2pPr>
-            <a:lvl3pPr marL="0" indent="457200" algn="ctr">
+            <a:lvl3pPr marL="0" indent="0" algn="ctr">
               <a:spcBef>
                 <a:spcPts val="0"/>
               </a:spcBef>
@@ -1315,7 +1354,7 @@
               <a:buNone/>
               <a:defRPr sz="3700"/>
             </a:lvl3pPr>
-            <a:lvl4pPr marL="0" indent="685800" algn="ctr">
+            <a:lvl4pPr marL="0" indent="0" algn="ctr">
               <a:spcBef>
                 <a:spcPts val="0"/>
               </a:spcBef>
@@ -1323,7 +1362,7 @@
               <a:buNone/>
               <a:defRPr sz="3700"/>
             </a:lvl4pPr>
-            <a:lvl5pPr marL="0" indent="914400" algn="ctr">
+            <a:lvl5pPr marL="0" indent="0" algn="ctr">
               <a:spcBef>
                 <a:spcPts val="0"/>
               </a:spcBef>
@@ -2161,7 +2200,7 @@
           </a:bodyPr>
           <a:lstStyle>
             <a:lvl1pPr>
-              <a:defRPr b="0" sz="1600">
+              <a:defRPr sz="1600">
                 <a:latin typeface="Helvetica Neue Light"/>
                 <a:ea typeface="Helvetica Neue Light"/>
                 <a:cs typeface="Helvetica Neue Light"/>
@@ -2218,13 +2257,13 @@
             <a:srgbClr val="000000"/>
           </a:solidFill>
           <a:uFillTx/>
-          <a:latin typeface="+mn-lt"/>
-          <a:ea typeface="+mn-ea"/>
-          <a:cs typeface="+mn-cs"/>
+          <a:latin typeface="Helvetica Neue Medium"/>
+          <a:ea typeface="Helvetica Neue Medium"/>
+          <a:cs typeface="Helvetica Neue Medium"/>
           <a:sym typeface="Helvetica Neue Medium"/>
         </a:defRPr>
       </a:lvl1pPr>
-      <a:lvl2pPr marL="0" marR="0" indent="228600" algn="ctr" defTabSz="584200" rtl="0" latinLnBrk="0">
+      <a:lvl2pPr marL="0" marR="0" indent="0" algn="ctr" defTabSz="584200" rtl="0" latinLnBrk="0">
         <a:lnSpc>
           <a:spcPct val="100000"/>
         </a:lnSpc>
@@ -2247,13 +2286,13 @@
             <a:srgbClr val="000000"/>
           </a:solidFill>
           <a:uFillTx/>
-          <a:latin typeface="+mn-lt"/>
-          <a:ea typeface="+mn-ea"/>
-          <a:cs typeface="+mn-cs"/>
+          <a:latin typeface="Helvetica Neue Medium"/>
+          <a:ea typeface="Helvetica Neue Medium"/>
+          <a:cs typeface="Helvetica Neue Medium"/>
           <a:sym typeface="Helvetica Neue Medium"/>
         </a:defRPr>
       </a:lvl2pPr>
-      <a:lvl3pPr marL="0" marR="0" indent="457200" algn="ctr" defTabSz="584200" rtl="0" latinLnBrk="0">
+      <a:lvl3pPr marL="0" marR="0" indent="0" algn="ctr" defTabSz="584200" rtl="0" latinLnBrk="0">
         <a:lnSpc>
           <a:spcPct val="100000"/>
         </a:lnSpc>
@@ -2276,13 +2315,13 @@
             <a:srgbClr val="000000"/>
           </a:solidFill>
           <a:uFillTx/>
-          <a:latin typeface="+mn-lt"/>
-          <a:ea typeface="+mn-ea"/>
-          <a:cs typeface="+mn-cs"/>
+          <a:latin typeface="Helvetica Neue Medium"/>
+          <a:ea typeface="Helvetica Neue Medium"/>
+          <a:cs typeface="Helvetica Neue Medium"/>
           <a:sym typeface="Helvetica Neue Medium"/>
         </a:defRPr>
       </a:lvl3pPr>
-      <a:lvl4pPr marL="0" marR="0" indent="685800" algn="ctr" defTabSz="584200" rtl="0" latinLnBrk="0">
+      <a:lvl4pPr marL="0" marR="0" indent="0" algn="ctr" defTabSz="584200" rtl="0" latinLnBrk="0">
         <a:lnSpc>
           <a:spcPct val="100000"/>
         </a:lnSpc>
@@ -2305,13 +2344,13 @@
             <a:srgbClr val="000000"/>
           </a:solidFill>
           <a:uFillTx/>
-          <a:latin typeface="+mn-lt"/>
-          <a:ea typeface="+mn-ea"/>
-          <a:cs typeface="+mn-cs"/>
+          <a:latin typeface="Helvetica Neue Medium"/>
+          <a:ea typeface="Helvetica Neue Medium"/>
+          <a:cs typeface="Helvetica Neue Medium"/>
           <a:sym typeface="Helvetica Neue Medium"/>
         </a:defRPr>
       </a:lvl4pPr>
-      <a:lvl5pPr marL="0" marR="0" indent="914400" algn="ctr" defTabSz="584200" rtl="0" latinLnBrk="0">
+      <a:lvl5pPr marL="0" marR="0" indent="0" algn="ctr" defTabSz="584200" rtl="0" latinLnBrk="0">
         <a:lnSpc>
           <a:spcPct val="100000"/>
         </a:lnSpc>
@@ -2334,13 +2373,13 @@
             <a:srgbClr val="000000"/>
           </a:solidFill>
           <a:uFillTx/>
-          <a:latin typeface="+mn-lt"/>
-          <a:ea typeface="+mn-ea"/>
-          <a:cs typeface="+mn-cs"/>
+          <a:latin typeface="Helvetica Neue Medium"/>
+          <a:ea typeface="Helvetica Neue Medium"/>
+          <a:cs typeface="Helvetica Neue Medium"/>
           <a:sym typeface="Helvetica Neue Medium"/>
         </a:defRPr>
       </a:lvl5pPr>
-      <a:lvl6pPr marL="0" marR="0" indent="1143000" algn="ctr" defTabSz="584200" rtl="0" latinLnBrk="0">
+      <a:lvl6pPr marL="0" marR="0" indent="0" algn="ctr" defTabSz="584200" rtl="0" latinLnBrk="0">
         <a:lnSpc>
           <a:spcPct val="100000"/>
         </a:lnSpc>
@@ -2363,13 +2402,13 @@
             <a:srgbClr val="000000"/>
           </a:solidFill>
           <a:uFillTx/>
-          <a:latin typeface="+mn-lt"/>
-          <a:ea typeface="+mn-ea"/>
-          <a:cs typeface="+mn-cs"/>
+          <a:latin typeface="Helvetica Neue Medium"/>
+          <a:ea typeface="Helvetica Neue Medium"/>
+          <a:cs typeface="Helvetica Neue Medium"/>
           <a:sym typeface="Helvetica Neue Medium"/>
         </a:defRPr>
       </a:lvl6pPr>
-      <a:lvl7pPr marL="0" marR="0" indent="1371600" algn="ctr" defTabSz="584200" rtl="0" latinLnBrk="0">
+      <a:lvl7pPr marL="0" marR="0" indent="0" algn="ctr" defTabSz="584200" rtl="0" latinLnBrk="0">
         <a:lnSpc>
           <a:spcPct val="100000"/>
         </a:lnSpc>
@@ -2392,13 +2431,13 @@
             <a:srgbClr val="000000"/>
           </a:solidFill>
           <a:uFillTx/>
-          <a:latin typeface="+mn-lt"/>
-          <a:ea typeface="+mn-ea"/>
-          <a:cs typeface="+mn-cs"/>
+          <a:latin typeface="Helvetica Neue Medium"/>
+          <a:ea typeface="Helvetica Neue Medium"/>
+          <a:cs typeface="Helvetica Neue Medium"/>
           <a:sym typeface="Helvetica Neue Medium"/>
         </a:defRPr>
       </a:lvl7pPr>
-      <a:lvl8pPr marL="0" marR="0" indent="1600200" algn="ctr" defTabSz="584200" rtl="0" latinLnBrk="0">
+      <a:lvl8pPr marL="0" marR="0" indent="0" algn="ctr" defTabSz="584200" rtl="0" latinLnBrk="0">
         <a:lnSpc>
           <a:spcPct val="100000"/>
         </a:lnSpc>
@@ -2421,13 +2460,13 @@
             <a:srgbClr val="000000"/>
           </a:solidFill>
           <a:uFillTx/>
-          <a:latin typeface="+mn-lt"/>
-          <a:ea typeface="+mn-ea"/>
-          <a:cs typeface="+mn-cs"/>
+          <a:latin typeface="Helvetica Neue Medium"/>
+          <a:ea typeface="Helvetica Neue Medium"/>
+          <a:cs typeface="Helvetica Neue Medium"/>
           <a:sym typeface="Helvetica Neue Medium"/>
         </a:defRPr>
       </a:lvl8pPr>
-      <a:lvl9pPr marL="0" marR="0" indent="1828800" algn="ctr" defTabSz="584200" rtl="0" latinLnBrk="0">
+      <a:lvl9pPr marL="0" marR="0" indent="0" algn="ctr" defTabSz="584200" rtl="0" latinLnBrk="0">
         <a:lnSpc>
           <a:spcPct val="100000"/>
         </a:lnSpc>
@@ -2450,9 +2489,9 @@
             <a:srgbClr val="000000"/>
           </a:solidFill>
           <a:uFillTx/>
-          <a:latin typeface="+mn-lt"/>
-          <a:ea typeface="+mn-ea"/>
-          <a:cs typeface="+mn-cs"/>
+          <a:latin typeface="Helvetica Neue Medium"/>
+          <a:ea typeface="Helvetica Neue Medium"/>
+          <a:cs typeface="Helvetica Neue Medium"/>
           <a:sym typeface="Helvetica Neue Medium"/>
         </a:defRPr>
       </a:lvl9pPr>
@@ -2481,9 +2520,9 @@
             <a:srgbClr val="000000"/>
           </a:solidFill>
           <a:uFillTx/>
-          <a:latin typeface="Helvetica Neue"/>
-          <a:ea typeface="Helvetica Neue"/>
-          <a:cs typeface="Helvetica Neue"/>
+          <a:latin typeface="+mn-lt"/>
+          <a:ea typeface="+mn-ea"/>
+          <a:cs typeface="+mn-cs"/>
           <a:sym typeface="Helvetica Neue"/>
         </a:defRPr>
       </a:lvl1pPr>
@@ -2510,9 +2549,9 @@
             <a:srgbClr val="000000"/>
           </a:solidFill>
           <a:uFillTx/>
-          <a:latin typeface="Helvetica Neue"/>
-          <a:ea typeface="Helvetica Neue"/>
-          <a:cs typeface="Helvetica Neue"/>
+          <a:latin typeface="+mn-lt"/>
+          <a:ea typeface="+mn-ea"/>
+          <a:cs typeface="+mn-cs"/>
           <a:sym typeface="Helvetica Neue"/>
         </a:defRPr>
       </a:lvl2pPr>
@@ -2539,9 +2578,9 @@
             <a:srgbClr val="000000"/>
           </a:solidFill>
           <a:uFillTx/>
-          <a:latin typeface="Helvetica Neue"/>
-          <a:ea typeface="Helvetica Neue"/>
-          <a:cs typeface="Helvetica Neue"/>
+          <a:latin typeface="+mn-lt"/>
+          <a:ea typeface="+mn-ea"/>
+          <a:cs typeface="+mn-cs"/>
           <a:sym typeface="Helvetica Neue"/>
         </a:defRPr>
       </a:lvl3pPr>
@@ -2568,9 +2607,9 @@
             <a:srgbClr val="000000"/>
           </a:solidFill>
           <a:uFillTx/>
-          <a:latin typeface="Helvetica Neue"/>
-          <a:ea typeface="Helvetica Neue"/>
-          <a:cs typeface="Helvetica Neue"/>
+          <a:latin typeface="+mn-lt"/>
+          <a:ea typeface="+mn-ea"/>
+          <a:cs typeface="+mn-cs"/>
           <a:sym typeface="Helvetica Neue"/>
         </a:defRPr>
       </a:lvl4pPr>
@@ -2597,9 +2636,9 @@
             <a:srgbClr val="000000"/>
           </a:solidFill>
           <a:uFillTx/>
-          <a:latin typeface="Helvetica Neue"/>
-          <a:ea typeface="Helvetica Neue"/>
-          <a:cs typeface="Helvetica Neue"/>
+          <a:latin typeface="+mn-lt"/>
+          <a:ea typeface="+mn-ea"/>
+          <a:cs typeface="+mn-cs"/>
           <a:sym typeface="Helvetica Neue"/>
         </a:defRPr>
       </a:lvl5pPr>
@@ -2626,9 +2665,9 @@
             <a:srgbClr val="000000"/>
           </a:solidFill>
           <a:uFillTx/>
-          <a:latin typeface="Helvetica Neue"/>
-          <a:ea typeface="Helvetica Neue"/>
-          <a:cs typeface="Helvetica Neue"/>
+          <a:latin typeface="+mn-lt"/>
+          <a:ea typeface="+mn-ea"/>
+          <a:cs typeface="+mn-cs"/>
           <a:sym typeface="Helvetica Neue"/>
         </a:defRPr>
       </a:lvl6pPr>
@@ -2655,9 +2694,9 @@
             <a:srgbClr val="000000"/>
           </a:solidFill>
           <a:uFillTx/>
-          <a:latin typeface="Helvetica Neue"/>
-          <a:ea typeface="Helvetica Neue"/>
-          <a:cs typeface="Helvetica Neue"/>
+          <a:latin typeface="+mn-lt"/>
+          <a:ea typeface="+mn-ea"/>
+          <a:cs typeface="+mn-cs"/>
           <a:sym typeface="Helvetica Neue"/>
         </a:defRPr>
       </a:lvl7pPr>
@@ -2684,9 +2723,9 @@
             <a:srgbClr val="000000"/>
           </a:solidFill>
           <a:uFillTx/>
-          <a:latin typeface="Helvetica Neue"/>
-          <a:ea typeface="Helvetica Neue"/>
-          <a:cs typeface="Helvetica Neue"/>
+          <a:latin typeface="+mn-lt"/>
+          <a:ea typeface="+mn-ea"/>
+          <a:cs typeface="+mn-cs"/>
           <a:sym typeface="Helvetica Neue"/>
         </a:defRPr>
       </a:lvl8pPr>
@@ -2713,9 +2752,9 @@
             <a:srgbClr val="000000"/>
           </a:solidFill>
           <a:uFillTx/>
-          <a:latin typeface="Helvetica Neue"/>
-          <a:ea typeface="Helvetica Neue"/>
-          <a:cs typeface="Helvetica Neue"/>
+          <a:latin typeface="+mn-lt"/>
+          <a:ea typeface="+mn-ea"/>
+          <a:cs typeface="+mn-cs"/>
           <a:sym typeface="Helvetica Neue"/>
         </a:defRPr>
       </a:lvl9pPr>
@@ -2750,7 +2789,7 @@
           <a:sym typeface="Helvetica Neue Light"/>
         </a:defRPr>
       </a:lvl1pPr>
-      <a:lvl2pPr marL="0" marR="0" indent="228600" algn="ctr" defTabSz="584200" rtl="0" latinLnBrk="0">
+      <a:lvl2pPr marL="0" marR="0" indent="0" algn="ctr" defTabSz="584200" rtl="0" latinLnBrk="0">
         <a:lnSpc>
           <a:spcPct val="100000"/>
         </a:lnSpc>
@@ -2779,7 +2818,7 @@
           <a:sym typeface="Helvetica Neue Light"/>
         </a:defRPr>
       </a:lvl2pPr>
-      <a:lvl3pPr marL="0" marR="0" indent="457200" algn="ctr" defTabSz="584200" rtl="0" latinLnBrk="0">
+      <a:lvl3pPr marL="0" marR="0" indent="0" algn="ctr" defTabSz="584200" rtl="0" latinLnBrk="0">
         <a:lnSpc>
           <a:spcPct val="100000"/>
         </a:lnSpc>
@@ -2808,7 +2847,7 @@
           <a:sym typeface="Helvetica Neue Light"/>
         </a:defRPr>
       </a:lvl3pPr>
-      <a:lvl4pPr marL="0" marR="0" indent="685800" algn="ctr" defTabSz="584200" rtl="0" latinLnBrk="0">
+      <a:lvl4pPr marL="0" marR="0" indent="0" algn="ctr" defTabSz="584200" rtl="0" latinLnBrk="0">
         <a:lnSpc>
           <a:spcPct val="100000"/>
         </a:lnSpc>
@@ -2837,7 +2876,7 @@
           <a:sym typeface="Helvetica Neue Light"/>
         </a:defRPr>
       </a:lvl4pPr>
-      <a:lvl5pPr marL="0" marR="0" indent="914400" algn="ctr" defTabSz="584200" rtl="0" latinLnBrk="0">
+      <a:lvl5pPr marL="0" marR="0" indent="0" algn="ctr" defTabSz="584200" rtl="0" latinLnBrk="0">
         <a:lnSpc>
           <a:spcPct val="100000"/>
         </a:lnSpc>
@@ -2866,7 +2905,7 @@
           <a:sym typeface="Helvetica Neue Light"/>
         </a:defRPr>
       </a:lvl5pPr>
-      <a:lvl6pPr marL="0" marR="0" indent="1143000" algn="ctr" defTabSz="584200" rtl="0" latinLnBrk="0">
+      <a:lvl6pPr marL="0" marR="0" indent="0" algn="ctr" defTabSz="584200" rtl="0" latinLnBrk="0">
         <a:lnSpc>
           <a:spcPct val="100000"/>
         </a:lnSpc>
@@ -2895,7 +2934,7 @@
           <a:sym typeface="Helvetica Neue Light"/>
         </a:defRPr>
       </a:lvl6pPr>
-      <a:lvl7pPr marL="0" marR="0" indent="1371600" algn="ctr" defTabSz="584200" rtl="0" latinLnBrk="0">
+      <a:lvl7pPr marL="0" marR="0" indent="0" algn="ctr" defTabSz="584200" rtl="0" latinLnBrk="0">
         <a:lnSpc>
           <a:spcPct val="100000"/>
         </a:lnSpc>
@@ -2924,7 +2963,7 @@
           <a:sym typeface="Helvetica Neue Light"/>
         </a:defRPr>
       </a:lvl7pPr>
-      <a:lvl8pPr marL="0" marR="0" indent="1600200" algn="ctr" defTabSz="584200" rtl="0" latinLnBrk="0">
+      <a:lvl8pPr marL="0" marR="0" indent="0" algn="ctr" defTabSz="584200" rtl="0" latinLnBrk="0">
         <a:lnSpc>
           <a:spcPct val="100000"/>
         </a:lnSpc>
@@ -2953,7 +2992,7 @@
           <a:sym typeface="Helvetica Neue Light"/>
         </a:defRPr>
       </a:lvl8pPr>
-      <a:lvl9pPr marL="0" marR="0" indent="1828800" algn="ctr" defTabSz="584200" rtl="0" latinLnBrk="0">
+      <a:lvl9pPr marL="0" marR="0" indent="0" algn="ctr" defTabSz="584200" rtl="0" latinLnBrk="0">
         <a:lnSpc>
           <a:spcPct val="100000"/>
         </a:lnSpc>
@@ -3004,179 +3043,40 @@
           <a:chExt cx="0" cy="0"/>
         </a:xfrm>
       </p:grpSpPr>
-      <p:sp>
-        <p:nvSpPr>
-          <p:cNvPr id="119" name="Rectangle 62"/>
-          <p:cNvSpPr/>
-          <p:nvPr/>
-        </p:nvSpPr>
-        <p:spPr>
-          <a:xfrm>
-            <a:off x="179552" y="926773"/>
-            <a:ext cx="1852362" cy="346761"/>
-          </a:xfrm>
-          <a:prstGeom prst="rect">
-            <a:avLst/>
-          </a:prstGeom>
-          <a:solidFill>
-            <a:srgbClr val="00B050"/>
-          </a:solidFill>
-          <a:ln w="19050">
-            <a:solidFill>
-              <a:srgbClr val="00B050"/>
-            </a:solidFill>
-          </a:ln>
-          <a:extLst>
-            <a:ext uri="{C572A759-6A51-4108-AA02-DFA0A04FC94B}">
-              <ma14:wrappingTextBoxFlag xmlns:ma14="http://schemas.microsoft.com/office/mac/drawingml/2011/main" val="1"/>
-            </a:ext>
-          </a:extLst>
-        </p:spPr>
-        <p:txBody>
-          <a:bodyPr lIns="45719" rIns="45719" anchor="ctr"/>
-          <a:lstStyle>
-            <a:lvl1pPr defTabSz="914400">
-              <a:defRPr b="0" sz="1600">
-                <a:solidFill>
-                  <a:srgbClr val="FFFFFF"/>
-                </a:solidFill>
-                <a:latin typeface="Calibri"/>
-                <a:ea typeface="Calibri"/>
-                <a:cs typeface="Calibri"/>
-                <a:sym typeface="Calibri"/>
-              </a:defRPr>
-            </a:lvl1pPr>
-          </a:lstStyle>
-          <a:p>
-            <a:pPr/>
-            <a:r>
-              <a:t>:LogicManager</a:t>
-            </a:r>
-          </a:p>
-        </p:txBody>
-      </p:sp>
-      <p:sp>
-        <p:nvSpPr>
-          <p:cNvPr id="120" name="Straight Connector 4"/>
-          <p:cNvSpPr/>
-          <p:nvPr/>
-        </p:nvSpPr>
-        <p:spPr>
-          <a:xfrm>
-            <a:off x="979675" y="1290444"/>
-            <a:ext cx="1" cy="405544"/>
-          </a:xfrm>
-          <a:prstGeom prst="line">
-            <a:avLst/>
-          </a:prstGeom>
-          <a:gradFill>
-            <a:gsLst>
-              <a:gs pos="0">
-                <a:srgbClr val="A2C3FF"/>
-              </a:gs>
-              <a:gs pos="35000">
-                <a:srgbClr val="BDD4FF"/>
-              </a:gs>
-              <a:gs pos="100000">
-                <a:srgbClr val="E6EEFF"/>
-              </a:gs>
-            </a:gsLst>
-            <a:lin ang="16200000"/>
-          </a:gradFill>
-          <a:ln w="19050">
-            <a:solidFill>
-              <a:srgbClr val="00B050"/>
-            </a:solidFill>
-            <a:prstDash val="sysDash"/>
-          </a:ln>
-        </p:spPr>
-        <p:txBody>
-          <a:bodyPr lIns="45719" rIns="45719"/>
-          <a:lstStyle/>
-          <a:p>
-            <a:pPr algn="l" defTabSz="914400">
-              <a:defRPr b="0" sz="1800">
-                <a:latin typeface="Calibri"/>
-                <a:ea typeface="Calibri"/>
-                <a:cs typeface="Calibri"/>
-                <a:sym typeface="Calibri"/>
-              </a:defRPr>
-            </a:pPr>
-          </a:p>
-        </p:txBody>
-      </p:sp>
-      <p:sp>
-        <p:nvSpPr>
-          <p:cNvPr id="121" name="Rectangle 5"/>
-          <p:cNvSpPr/>
-          <p:nvPr/>
-        </p:nvSpPr>
-        <p:spPr>
-          <a:xfrm>
-            <a:off x="907667" y="1641139"/>
-            <a:ext cx="156229" cy="7040272"/>
-          </a:xfrm>
-          <a:prstGeom prst="rect">
-            <a:avLst/>
-          </a:prstGeom>
-          <a:solidFill>
-            <a:srgbClr val="00B050"/>
-          </a:solidFill>
-          <a:ln>
-            <a:solidFill>
-              <a:srgbClr val="00B050"/>
-            </a:solidFill>
-          </a:ln>
-        </p:spPr>
-        <p:txBody>
-          <a:bodyPr lIns="45719" rIns="45719" anchor="ctr"/>
-          <a:lstStyle/>
-          <a:p>
-            <a:pPr defTabSz="914400">
-              <a:defRPr b="0" sz="1400">
-                <a:latin typeface="Calibri"/>
-                <a:ea typeface="Calibri"/>
-                <a:cs typeface="Calibri"/>
-                <a:sym typeface="Calibri"/>
-              </a:defRPr>
-            </a:pPr>
-          </a:p>
-        </p:txBody>
-      </p:sp>
       <p:grpSp>
         <p:nvGrpSpPr>
-          <p:cNvPr id="124" name="Rectangle 62"/>
+          <p:cNvPr id="121" name="Rectangle 62"/>
           <p:cNvGrpSpPr/>
           <p:nvPr/>
         </p:nvGrpSpPr>
         <p:grpSpPr>
           <a:xfrm>
-            <a:off x="2066567" y="832456"/>
-            <a:ext cx="2438401" cy="428339"/>
-            <a:chOff x="-346846" y="0"/>
-            <a:chExt cx="2438400" cy="428337"/>
+            <a:off x="179552" y="926772"/>
+            <a:ext cx="1852361" cy="346762"/>
+            <a:chOff x="0" y="0"/>
+            <a:chExt cx="1852360" cy="346761"/>
           </a:xfrm>
         </p:grpSpPr>
         <p:sp>
           <p:nvSpPr>
-            <p:cNvPr id="122" name="Rectangle"/>
+            <p:cNvPr id="119" name="Rectangle"/>
             <p:cNvSpPr/>
             <p:nvPr/>
           </p:nvSpPr>
           <p:spPr>
             <a:xfrm>
               <a:off x="0" y="-1"/>
-              <a:ext cx="1987071" cy="428339"/>
+              <a:ext cx="1852361" cy="346763"/>
             </a:xfrm>
             <a:prstGeom prst="rect">
               <a:avLst/>
             </a:prstGeom>
             <a:solidFill>
-              <a:srgbClr val="0070C0"/>
+              <a:srgbClr val="00B050"/>
             </a:solidFill>
             <a:ln w="19050" cap="flat">
               <a:solidFill>
-                <a:srgbClr val="0070C0"/>
+                <a:srgbClr val="00B050"/>
               </a:solidFill>
               <a:prstDash val="solid"/>
               <a:round/>
@@ -3184,13 +3084,13 @@
             <a:effectLst/>
           </p:spPr>
           <p:txBody>
-            <a:bodyPr wrap="square" lIns="45719" tIns="45719" rIns="45719" bIns="45719" numCol="1" anchor="ctr">
+            <a:bodyPr wrap="square" lIns="50800" tIns="50800" rIns="50800" bIns="50800" numCol="1" anchor="ctr">
               <a:noAutofit/>
             </a:bodyPr>
             <a:lstStyle/>
             <a:p>
               <a:pPr defTabSz="914400">
-                <a:defRPr b="0" sz="1600">
+                <a:defRPr sz="1600">
                   <a:solidFill>
                     <a:srgbClr val="FFFFFF"/>
                   </a:solidFill>
@@ -3205,14 +3105,14 @@
         </p:sp>
         <p:sp>
           <p:nvSpPr>
-            <p:cNvPr id="123" name=":AddressBookParser"/>
+            <p:cNvPr id="120" name=":LogicManager"/>
             <p:cNvSpPr txBox="1"/>
             <p:nvPr/>
           </p:nvSpPr>
           <p:spPr>
             <a:xfrm>
-              <a:off x="-346847" y="8659"/>
-              <a:ext cx="2438401" cy="411020"/>
+              <a:off x="0" y="7011"/>
+              <a:ext cx="1852361" cy="332739"/>
             </a:xfrm>
             <a:prstGeom prst="rect">
               <a:avLst/>
@@ -3230,12 +3130,205 @@
             </a:extLst>
           </p:spPr>
           <p:txBody>
-            <a:bodyPr wrap="square" lIns="45719" tIns="45719" rIns="45719" bIns="45719" numCol="1" anchor="ctr">
-              <a:noAutofit/>
+            <a:bodyPr wrap="square" lIns="45718" tIns="45718" rIns="45718" bIns="45718" numCol="1" anchor="ctr">
+              <a:spAutoFit/>
             </a:bodyPr>
             <a:lstStyle>
               <a:lvl1pPr defTabSz="914400">
-                <a:defRPr b="0" sz="1600">
+                <a:defRPr sz="1600">
+                  <a:solidFill>
+                    <a:srgbClr val="FFFFFF"/>
+                  </a:solidFill>
+                  <a:latin typeface="Calibri"/>
+                  <a:ea typeface="Calibri"/>
+                  <a:cs typeface="Calibri"/>
+                  <a:sym typeface="Calibri"/>
+                </a:defRPr>
+              </a:lvl1pPr>
+            </a:lstStyle>
+            <a:p>
+              <a:pPr/>
+              <a:r>
+                <a:t>:LogicManager</a:t>
+              </a:r>
+            </a:p>
+          </p:txBody>
+        </p:sp>
+      </p:grpSp>
+      <p:sp>
+        <p:nvSpPr>
+          <p:cNvPr id="122" name="Straight Connector 4"/>
+          <p:cNvSpPr/>
+          <p:nvPr/>
+        </p:nvSpPr>
+        <p:spPr>
+          <a:xfrm>
+            <a:off x="979674" y="1290444"/>
+            <a:ext cx="2" cy="405545"/>
+          </a:xfrm>
+          <a:prstGeom prst="line">
+            <a:avLst/>
+          </a:prstGeom>
+          <a:gradFill>
+            <a:gsLst>
+              <a:gs pos="0">
+                <a:srgbClr val="A2C3FF"/>
+              </a:gs>
+              <a:gs pos="35000">
+                <a:srgbClr val="BDD4FF"/>
+              </a:gs>
+              <a:gs pos="100000">
+                <a:srgbClr val="E6EEFF"/>
+              </a:gs>
+            </a:gsLst>
+            <a:lin ang="16200000"/>
+          </a:gradFill>
+          <a:ln w="19050">
+            <a:solidFill>
+              <a:srgbClr val="00B050"/>
+            </a:solidFill>
+            <a:prstDash val="sysDash"/>
+          </a:ln>
+        </p:spPr>
+        <p:txBody>
+          <a:bodyPr lIns="45718" tIns="45718" rIns="45718" bIns="45718"/>
+          <a:lstStyle/>
+          <a:p>
+            <a:pPr/>
+          </a:p>
+        </p:txBody>
+      </p:sp>
+      <p:sp>
+        <p:nvSpPr>
+          <p:cNvPr id="123" name="Rectangle 5"/>
+          <p:cNvSpPr/>
+          <p:nvPr/>
+        </p:nvSpPr>
+        <p:spPr>
+          <a:xfrm>
+            <a:off x="907666" y="1641139"/>
+            <a:ext cx="156230" cy="7040272"/>
+          </a:xfrm>
+          <a:prstGeom prst="rect">
+            <a:avLst/>
+          </a:prstGeom>
+          <a:solidFill>
+            <a:srgbClr val="00B050"/>
+          </a:solidFill>
+          <a:ln>
+            <a:solidFill>
+              <a:srgbClr val="00B050"/>
+            </a:solidFill>
+          </a:ln>
+        </p:spPr>
+        <p:txBody>
+          <a:bodyPr lIns="50800" tIns="50800" rIns="50800" bIns="50800" anchor="ctr"/>
+          <a:lstStyle/>
+          <a:p>
+            <a:pPr defTabSz="914400">
+              <a:defRPr sz="1400">
+                <a:latin typeface="Calibri"/>
+                <a:ea typeface="Calibri"/>
+                <a:cs typeface="Calibri"/>
+                <a:sym typeface="Calibri"/>
+              </a:defRPr>
+            </a:pPr>
+          </a:p>
+        </p:txBody>
+      </p:sp>
+      <p:grpSp>
+        <p:nvGrpSpPr>
+          <p:cNvPr id="126" name="Rectangle 62"/>
+          <p:cNvGrpSpPr/>
+          <p:nvPr/>
+        </p:nvGrpSpPr>
+        <p:grpSpPr>
+          <a:xfrm>
+            <a:off x="2066566" y="832454"/>
+            <a:ext cx="2438403" cy="428342"/>
+            <a:chOff x="-1" y="0"/>
+            <a:chExt cx="2438402" cy="428341"/>
+          </a:xfrm>
+        </p:grpSpPr>
+        <p:sp>
+          <p:nvSpPr>
+            <p:cNvPr id="124" name="Rectangle"/>
+            <p:cNvSpPr/>
+            <p:nvPr/>
+          </p:nvSpPr>
+          <p:spPr>
+            <a:xfrm>
+              <a:off x="346846" y="-1"/>
+              <a:ext cx="1987072" cy="428342"/>
+            </a:xfrm>
+            <a:prstGeom prst="rect">
+              <a:avLst/>
+            </a:prstGeom>
+            <a:solidFill>
+              <a:srgbClr val="0070C0"/>
+            </a:solidFill>
+            <a:ln w="19050" cap="flat">
+              <a:solidFill>
+                <a:srgbClr val="0070C0"/>
+              </a:solidFill>
+              <a:prstDash val="solid"/>
+              <a:round/>
+            </a:ln>
+            <a:effectLst/>
+          </p:spPr>
+          <p:txBody>
+            <a:bodyPr wrap="square" lIns="50800" tIns="50800" rIns="50800" bIns="50800" numCol="1" anchor="ctr">
+              <a:noAutofit/>
+            </a:bodyPr>
+            <a:lstStyle/>
+            <a:p>
+              <a:pPr defTabSz="914400">
+                <a:defRPr sz="1600">
+                  <a:solidFill>
+                    <a:srgbClr val="FFFFFF"/>
+                  </a:solidFill>
+                  <a:latin typeface="Calibri"/>
+                  <a:ea typeface="Calibri"/>
+                  <a:cs typeface="Calibri"/>
+                  <a:sym typeface="Calibri"/>
+                </a:defRPr>
+              </a:pPr>
+            </a:p>
+          </p:txBody>
+        </p:sp>
+        <p:sp>
+          <p:nvSpPr>
+            <p:cNvPr id="125" name=":AddressBookParser"/>
+            <p:cNvSpPr txBox="1"/>
+            <p:nvPr/>
+          </p:nvSpPr>
+          <p:spPr>
+            <a:xfrm>
+              <a:off x="-2" y="47800"/>
+              <a:ext cx="2438404" cy="332739"/>
+            </a:xfrm>
+            <a:prstGeom prst="rect">
+              <a:avLst/>
+            </a:prstGeom>
+            <a:noFill/>
+            <a:ln w="12700" cap="flat">
+              <a:noFill/>
+              <a:miter lim="400000"/>
+            </a:ln>
+            <a:effectLst/>
+            <a:extLst>
+              <a:ext uri="{C572A759-6A51-4108-AA02-DFA0A04FC94B}">
+                <ma14:wrappingTextBoxFlag xmlns:ma14="http://schemas.microsoft.com/office/mac/drawingml/2011/main" val="1"/>
+              </a:ext>
+            </a:extLst>
+          </p:spPr>
+          <p:txBody>
+            <a:bodyPr wrap="square" lIns="45718" tIns="45718" rIns="45718" bIns="45718" numCol="1" anchor="ctr">
+              <a:spAutoFit/>
+            </a:bodyPr>
+            <a:lstStyle>
+              <a:lvl1pPr defTabSz="914400">
+                <a:defRPr sz="1600">
                   <a:solidFill>
                     <a:srgbClr val="FFFFFF"/>
                   </a:solidFill>
@@ -3257,14 +3350,14 @@
       </p:grpSp>
       <p:sp>
         <p:nvSpPr>
-          <p:cNvPr id="125" name="Straight Connector 16"/>
+          <p:cNvPr id="127" name="Straight Connector 16"/>
           <p:cNvSpPr/>
           <p:nvPr/>
         </p:nvSpPr>
         <p:spPr>
           <a:xfrm>
-            <a:off x="3298877" y="1279047"/>
-            <a:ext cx="1" cy="428338"/>
+            <a:off x="3298876" y="1279047"/>
+            <a:ext cx="2" cy="428339"/>
           </a:xfrm>
           <a:prstGeom prst="line">
             <a:avLst/>
@@ -3291,11 +3384,42 @@
           </a:ln>
         </p:spPr>
         <p:txBody>
-          <a:bodyPr lIns="45719" rIns="45719"/>
+          <a:bodyPr lIns="45718" tIns="45718" rIns="45718" bIns="45718"/>
           <a:lstStyle/>
           <a:p>
-            <a:pPr algn="l" defTabSz="914400">
-              <a:defRPr b="0" sz="1800">
+            <a:pPr/>
+          </a:p>
+        </p:txBody>
+      </p:sp>
+      <p:sp>
+        <p:nvSpPr>
+          <p:cNvPr id="128" name="Rectangle 17"/>
+          <p:cNvSpPr/>
+          <p:nvPr/>
+        </p:nvSpPr>
+        <p:spPr>
+          <a:xfrm>
+            <a:off x="3226868" y="1655347"/>
+            <a:ext cx="124480" cy="6442905"/>
+          </a:xfrm>
+          <a:prstGeom prst="rect">
+            <a:avLst/>
+          </a:prstGeom>
+          <a:solidFill>
+            <a:srgbClr val="0070C0"/>
+          </a:solidFill>
+          <a:ln>
+            <a:solidFill>
+              <a:srgbClr val="0070C0"/>
+            </a:solidFill>
+          </a:ln>
+        </p:spPr>
+        <p:txBody>
+          <a:bodyPr lIns="50800" tIns="50800" rIns="50800" bIns="50800" anchor="ctr"/>
+          <a:lstStyle/>
+          <a:p>
+            <a:pPr defTabSz="914400">
+              <a:defRPr sz="1400">
                 <a:latin typeface="Calibri"/>
                 <a:ea typeface="Calibri"/>
                 <a:cs typeface="Calibri"/>
@@ -3305,68 +3429,30 @@
           </a:p>
         </p:txBody>
       </p:sp>
-      <p:sp>
-        <p:nvSpPr>
-          <p:cNvPr id="126" name="Rectangle 17"/>
-          <p:cNvSpPr/>
-          <p:nvPr/>
-        </p:nvSpPr>
-        <p:spPr>
-          <a:xfrm>
-            <a:off x="3226869" y="1655348"/>
-            <a:ext cx="124479" cy="6442904"/>
-          </a:xfrm>
-          <a:prstGeom prst="rect">
-            <a:avLst/>
-          </a:prstGeom>
-          <a:solidFill>
-            <a:srgbClr val="0070C0"/>
-          </a:solidFill>
-          <a:ln>
-            <a:solidFill>
-              <a:srgbClr val="0070C0"/>
-            </a:solidFill>
-          </a:ln>
-        </p:spPr>
-        <p:txBody>
-          <a:bodyPr lIns="45719" rIns="45719" anchor="ctr"/>
-          <a:lstStyle/>
-          <a:p>
-            <a:pPr defTabSz="914400">
-              <a:defRPr b="0" sz="1400">
-                <a:latin typeface="Calibri"/>
-                <a:ea typeface="Calibri"/>
-                <a:cs typeface="Calibri"/>
-                <a:sym typeface="Calibri"/>
-              </a:defRPr>
-            </a:pPr>
-          </a:p>
-        </p:txBody>
-      </p:sp>
       <p:grpSp>
         <p:nvGrpSpPr>
-          <p:cNvPr id="129" name="Rectangle 62"/>
+          <p:cNvPr id="131" name="Rectangle 62"/>
           <p:cNvGrpSpPr/>
           <p:nvPr/>
         </p:nvGrpSpPr>
         <p:grpSpPr>
           <a:xfrm>
-            <a:off x="5240171" y="1053333"/>
-            <a:ext cx="2125161" cy="1584376"/>
-            <a:chOff x="0" y="-455274"/>
-            <a:chExt cx="2125159" cy="1584374"/>
+            <a:off x="5240170" y="1508606"/>
+            <a:ext cx="2125163" cy="673829"/>
+            <a:chOff x="0" y="0"/>
+            <a:chExt cx="2125161" cy="673828"/>
           </a:xfrm>
         </p:grpSpPr>
         <p:sp>
           <p:nvSpPr>
-            <p:cNvPr id="127" name="Rectangle"/>
+            <p:cNvPr id="129" name="Rectangle"/>
             <p:cNvSpPr/>
             <p:nvPr/>
           </p:nvSpPr>
           <p:spPr>
             <a:xfrm>
-              <a:off x="0" y="-1"/>
-              <a:ext cx="2125160" cy="673828"/>
+              <a:off x="0" y="0"/>
+              <a:ext cx="2125162" cy="673829"/>
             </a:xfrm>
             <a:prstGeom prst="rect">
               <a:avLst/>
@@ -3384,13 +3470,13 @@
             <a:effectLst/>
           </p:spPr>
           <p:txBody>
-            <a:bodyPr wrap="square" lIns="45719" tIns="45719" rIns="45719" bIns="45719" numCol="1" anchor="ctr">
+            <a:bodyPr wrap="square" lIns="50800" tIns="50800" rIns="50800" bIns="50800" numCol="1" anchor="ctr">
               <a:noAutofit/>
             </a:bodyPr>
             <a:lstStyle/>
             <a:p>
               <a:pPr defTabSz="914400">
-                <a:defRPr b="0" sz="1600">
+                <a:defRPr sz="1600">
                   <a:solidFill>
                     <a:srgbClr val="FFFFFF"/>
                   </a:solidFill>
@@ -3405,14 +3491,14 @@
         </p:sp>
         <p:sp>
           <p:nvSpPr>
-            <p:cNvPr id="128" name=":LoadCommandParser"/>
+            <p:cNvPr id="130" name=":LoadCommandParser"/>
             <p:cNvSpPr txBox="1"/>
             <p:nvPr/>
           </p:nvSpPr>
           <p:spPr>
             <a:xfrm>
-              <a:off x="0" y="-455275"/>
-              <a:ext cx="2125160" cy="1584376"/>
+              <a:off x="0" y="170544"/>
+              <a:ext cx="2125162" cy="332739"/>
             </a:xfrm>
             <a:prstGeom prst="rect">
               <a:avLst/>
@@ -3430,12 +3516,12 @@
             </a:extLst>
           </p:spPr>
           <p:txBody>
-            <a:bodyPr wrap="square" lIns="45719" tIns="45719" rIns="45719" bIns="45719" numCol="1" anchor="ctr">
-              <a:noAutofit/>
+            <a:bodyPr wrap="square" lIns="45718" tIns="45718" rIns="45718" bIns="45718" numCol="1" anchor="ctr">
+              <a:spAutoFit/>
             </a:bodyPr>
             <a:lstStyle>
               <a:lvl1pPr defTabSz="914400">
-                <a:defRPr b="0" sz="1600">
+                <a:defRPr sz="1600">
                   <a:solidFill>
                     <a:srgbClr val="FFFFFF"/>
                   </a:solidFill>
@@ -3457,14 +3543,14 @@
       </p:grpSp>
       <p:sp>
         <p:nvSpPr>
-          <p:cNvPr id="130" name="Straight Connector 19"/>
+          <p:cNvPr id="132" name="Straight Connector 19"/>
           <p:cNvSpPr/>
           <p:nvPr/>
         </p:nvSpPr>
         <p:spPr>
           <a:xfrm>
-            <a:off x="6286393" y="5797374"/>
-            <a:ext cx="1" cy="428338"/>
+            <a:off x="6271810" y="3643607"/>
+            <a:ext cx="2" cy="428339"/>
           </a:xfrm>
           <a:prstGeom prst="line">
             <a:avLst/>
@@ -3491,11 +3577,42 @@
           </a:ln>
         </p:spPr>
         <p:txBody>
-          <a:bodyPr lIns="45719" rIns="45719"/>
+          <a:bodyPr lIns="45718" tIns="45718" rIns="45718" bIns="45718"/>
           <a:lstStyle/>
           <a:p>
-            <a:pPr algn="l" defTabSz="914400">
-              <a:defRPr b="0" sz="1800">
+            <a:pPr/>
+          </a:p>
+        </p:txBody>
+      </p:sp>
+      <p:sp>
+        <p:nvSpPr>
+          <p:cNvPr id="133" name="Rectangle 20"/>
+          <p:cNvSpPr/>
+          <p:nvPr/>
+        </p:nvSpPr>
+        <p:spPr>
+          <a:xfrm>
+            <a:off x="6206347" y="2796324"/>
+            <a:ext cx="175063" cy="1036759"/>
+          </a:xfrm>
+          <a:prstGeom prst="rect">
+            <a:avLst/>
+          </a:prstGeom>
+          <a:solidFill>
+            <a:srgbClr val="7030A0"/>
+          </a:solidFill>
+          <a:ln>
+            <a:solidFill>
+              <a:srgbClr val="7030A0"/>
+            </a:solidFill>
+          </a:ln>
+        </p:spPr>
+        <p:txBody>
+          <a:bodyPr lIns="50800" tIns="50800" rIns="50800" bIns="50800" anchor="ctr"/>
+          <a:lstStyle/>
+          <a:p>
+            <a:pPr defTabSz="914400">
+              <a:defRPr sz="1400">
                 <a:latin typeface="Calibri"/>
                 <a:ea typeface="Calibri"/>
                 <a:cs typeface="Calibri"/>
@@ -3507,88 +3624,43 @@
       </p:sp>
       <p:sp>
         <p:nvSpPr>
-          <p:cNvPr id="131" name="Rectangle 20"/>
+          <p:cNvPr id="134" name="Straight Arrow Connector 24"/>
           <p:cNvSpPr/>
           <p:nvPr/>
         </p:nvSpPr>
         <p:spPr>
           <a:xfrm>
-            <a:off x="6206348" y="2796324"/>
-            <a:ext cx="160090" cy="3210450"/>
-          </a:xfrm>
-          <a:prstGeom prst="rect">
-            <a:avLst/>
-          </a:prstGeom>
-          <a:solidFill>
-            <a:srgbClr val="7030A0"/>
-          </a:solidFill>
-          <a:ln>
-            <a:solidFill>
-              <a:srgbClr val="7030A0"/>
-            </a:solidFill>
-          </a:ln>
-        </p:spPr>
-        <p:txBody>
-          <a:bodyPr lIns="45719" rIns="45719" anchor="ctr"/>
+            <a:off x="1050244" y="1710680"/>
+            <a:ext cx="2158420" cy="2"/>
+          </a:xfrm>
+          <a:prstGeom prst="line">
+            <a:avLst/>
+          </a:prstGeom>
+          <a:ln w="19050">
+            <a:solidFill>
+              <a:srgbClr val="00B050"/>
+            </a:solidFill>
+            <a:tailEnd type="triangle"/>
+          </a:ln>
+        </p:spPr>
+        <p:txBody>
+          <a:bodyPr lIns="45718" tIns="45718" rIns="45718" bIns="45718"/>
           <a:lstStyle/>
           <a:p>
-            <a:pPr defTabSz="914400">
-              <a:defRPr b="0" sz="1400">
-                <a:latin typeface="Calibri"/>
-                <a:ea typeface="Calibri"/>
-                <a:cs typeface="Calibri"/>
-                <a:sym typeface="Calibri"/>
-              </a:defRPr>
-            </a:pPr>
-          </a:p>
-        </p:txBody>
-      </p:sp>
-      <p:sp>
-        <p:nvSpPr>
-          <p:cNvPr id="132" name="Straight Arrow Connector 24"/>
-          <p:cNvSpPr/>
-          <p:nvPr/>
-        </p:nvSpPr>
-        <p:spPr>
-          <a:xfrm>
-            <a:off x="1050244" y="1710680"/>
-            <a:ext cx="2158419" cy="1"/>
-          </a:xfrm>
-          <a:prstGeom prst="line">
-            <a:avLst/>
-          </a:prstGeom>
-          <a:ln w="19050">
-            <a:solidFill>
-              <a:srgbClr val="00B050"/>
-            </a:solidFill>
-            <a:tailEnd type="triangle"/>
-          </a:ln>
-        </p:spPr>
-        <p:txBody>
-          <a:bodyPr lIns="45719" rIns="45719"/>
-          <a:lstStyle/>
-          <a:p>
-            <a:pPr algn="l" defTabSz="914400">
-              <a:defRPr b="0" sz="1800">
-                <a:latin typeface="Calibri"/>
-                <a:ea typeface="Calibri"/>
-                <a:cs typeface="Calibri"/>
-                <a:sym typeface="Calibri"/>
-              </a:defRPr>
-            </a:pPr>
-          </a:p>
-        </p:txBody>
-      </p:sp>
-      <p:sp>
-        <p:nvSpPr>
-          <p:cNvPr id="133" name="TextBox 25"/>
+            <a:pPr/>
+          </a:p>
+        </p:txBody>
+      </p:sp>
+      <p:sp>
+        <p:nvSpPr>
+          <p:cNvPr id="135" name="TextBox 25"/>
           <p:cNvSpPr txBox="1"/>
           <p:nvPr/>
         </p:nvSpPr>
         <p:spPr>
           <a:xfrm>
-            <a:off x="1188133" y="1800931"/>
-            <a:ext cx="1983819" cy="406401"/>
+            <a:off x="1188132" y="1800930"/>
+            <a:ext cx="1983821" cy="406401"/>
           </a:xfrm>
           <a:prstGeom prst="rect">
             <a:avLst/>
@@ -3608,7 +3680,7 @@
           </a:bodyPr>
           <a:lstStyle>
             <a:lvl1pPr algn="l" defTabSz="914400">
-              <a:defRPr b="0" sz="1400">
+              <a:defRPr sz="1400">
                 <a:solidFill>
                   <a:srgbClr val="0070C0"/>
                 </a:solidFill>
@@ -3629,14 +3701,14 @@
       </p:sp>
       <p:sp>
         <p:nvSpPr>
-          <p:cNvPr id="134" name="Straight Arrow Connector 27"/>
+          <p:cNvPr id="136" name="Straight Arrow Connector 27"/>
           <p:cNvSpPr/>
           <p:nvPr/>
         </p:nvSpPr>
         <p:spPr>
           <a:xfrm>
-            <a:off x="3370885" y="1842172"/>
-            <a:ext cx="1860803" cy="1"/>
+            <a:off x="3370884" y="1842172"/>
+            <a:ext cx="1860804" cy="2"/>
           </a:xfrm>
           <a:prstGeom prst="line">
             <a:avLst/>
@@ -3649,30 +3721,23 @@
           </a:ln>
         </p:spPr>
         <p:txBody>
-          <a:bodyPr lIns="45719" rIns="45719"/>
+          <a:bodyPr lIns="45718" tIns="45718" rIns="45718" bIns="45718"/>
           <a:lstStyle/>
           <a:p>
-            <a:pPr algn="l" defTabSz="914400">
-              <a:defRPr b="0" sz="1800">
-                <a:latin typeface="Calibri"/>
-                <a:ea typeface="Calibri"/>
-                <a:cs typeface="Calibri"/>
-                <a:sym typeface="Calibri"/>
-              </a:defRPr>
-            </a:pPr>
-          </a:p>
-        </p:txBody>
-      </p:sp>
-      <p:sp>
-        <p:nvSpPr>
-          <p:cNvPr id="135" name="TextBox 28"/>
+            <a:pPr/>
+          </a:p>
+        </p:txBody>
+      </p:sp>
+      <p:sp>
+        <p:nvSpPr>
+          <p:cNvPr id="137" name="TextBox 28"/>
           <p:cNvSpPr txBox="1"/>
           <p:nvPr/>
         </p:nvSpPr>
         <p:spPr>
           <a:xfrm>
-            <a:off x="3406253" y="1492787"/>
-            <a:ext cx="1790067" cy="203201"/>
+            <a:off x="3406252" y="1492786"/>
+            <a:ext cx="1790068" cy="203201"/>
           </a:xfrm>
           <a:prstGeom prst="rect">
             <a:avLst/>
@@ -3692,7 +3757,7 @@
           </a:bodyPr>
           <a:lstStyle>
             <a:lvl1pPr algn="l" defTabSz="914400">
-              <a:defRPr b="0" sz="1400">
+              <a:defRPr sz="1400">
                 <a:solidFill>
                   <a:srgbClr val="7030A0"/>
                 </a:solidFill>
@@ -3713,14 +3778,14 @@
       </p:sp>
       <p:sp>
         <p:nvSpPr>
-          <p:cNvPr id="136" name="TextBox 32"/>
+          <p:cNvPr id="138" name="TextBox 32"/>
           <p:cNvSpPr txBox="1"/>
           <p:nvPr/>
         </p:nvSpPr>
         <p:spPr>
           <a:xfrm>
-            <a:off x="6427508" y="2822480"/>
-            <a:ext cx="1983819" cy="406401"/>
+            <a:off x="8026456" y="4149699"/>
+            <a:ext cx="1790068" cy="279401"/>
           </a:xfrm>
           <a:prstGeom prst="rect">
             <a:avLst/>
@@ -3740,13 +3805,9 @@
           </a:bodyPr>
           <a:lstStyle>
             <a:lvl1pPr algn="l" defTabSz="914400">
-              <a:defRPr b="0" sz="1400">
+              <a:defRPr sz="1000">
                 <a:solidFill>
-                  <a:schemeClr val="accent5">
-                    <a:hueOff val="-82419"/>
-                    <a:satOff val="-9513"/>
-                    <a:lumOff val="-16343"/>
-                  </a:schemeClr>
+                  <a:srgbClr val="EE230C"/>
                 </a:solidFill>
                 <a:latin typeface="Calibri"/>
                 <a:ea typeface="Calibri"/>
@@ -3765,14 +3826,14 @@
       </p:sp>
       <p:sp>
         <p:nvSpPr>
-          <p:cNvPr id="137" name="Straight Arrow Connector 33"/>
+          <p:cNvPr id="139" name="Straight Arrow Connector 33"/>
           <p:cNvSpPr/>
           <p:nvPr/>
         </p:nvSpPr>
         <p:spPr>
           <a:xfrm>
-            <a:off x="3363497" y="2488360"/>
-            <a:ext cx="2838089" cy="1"/>
+            <a:off x="3363497" y="2488359"/>
+            <a:ext cx="2838090" cy="2"/>
           </a:xfrm>
           <a:prstGeom prst="line">
             <a:avLst/>
@@ -3786,30 +3847,23 @@
           </a:ln>
         </p:spPr>
         <p:txBody>
-          <a:bodyPr lIns="45719" rIns="45719"/>
+          <a:bodyPr lIns="45718" tIns="45718" rIns="45718" bIns="45718"/>
           <a:lstStyle/>
           <a:p>
-            <a:pPr algn="l" defTabSz="914400">
-              <a:defRPr b="0" sz="1800">
-                <a:latin typeface="Calibri"/>
-                <a:ea typeface="Calibri"/>
-                <a:cs typeface="Calibri"/>
-                <a:sym typeface="Calibri"/>
-              </a:defRPr>
-            </a:pPr>
-          </a:p>
-        </p:txBody>
-      </p:sp>
-      <p:sp>
-        <p:nvSpPr>
-          <p:cNvPr id="138" name="Straight Arrow Connector 34"/>
+            <a:pPr/>
+          </a:p>
+        </p:txBody>
+      </p:sp>
+      <p:sp>
+        <p:nvSpPr>
+          <p:cNvPr id="140" name="Straight Arrow Connector 34"/>
           <p:cNvSpPr/>
           <p:nvPr/>
         </p:nvSpPr>
         <p:spPr>
           <a:xfrm>
-            <a:off x="1117074" y="2584356"/>
-            <a:ext cx="2056617" cy="1"/>
+            <a:off x="1117073" y="2584356"/>
+            <a:ext cx="2056618" cy="2"/>
           </a:xfrm>
           <a:prstGeom prst="line">
             <a:avLst/>
@@ -3823,44 +3877,37 @@
           </a:ln>
         </p:spPr>
         <p:txBody>
-          <a:bodyPr lIns="45719" rIns="45719"/>
+          <a:bodyPr lIns="45718" tIns="45718" rIns="45718" bIns="45718"/>
           <a:lstStyle/>
           <a:p>
-            <a:pPr algn="l" defTabSz="914400">
-              <a:defRPr b="0" sz="1800">
-                <a:latin typeface="Calibri"/>
-                <a:ea typeface="Calibri"/>
-                <a:cs typeface="Calibri"/>
-                <a:sym typeface="Calibri"/>
-              </a:defRPr>
-            </a:pPr>
+            <a:pPr/>
           </a:p>
         </p:txBody>
       </p:sp>
       <p:grpSp>
         <p:nvGrpSpPr>
-          <p:cNvPr id="141" name="Rectangle 62"/>
+          <p:cNvPr id="145" name="Rectangle 62"/>
           <p:cNvGrpSpPr/>
           <p:nvPr/>
         </p:nvGrpSpPr>
         <p:grpSpPr>
           <a:xfrm>
-            <a:off x="8467635" y="2755645"/>
-            <a:ext cx="2438401" cy="1020517"/>
+            <a:off x="9907565" y="4016065"/>
+            <a:ext cx="2056617" cy="860736"/>
             <a:chOff x="0" y="0"/>
-            <a:chExt cx="2438400" cy="1020515"/>
+            <a:chExt cx="2056615" cy="860734"/>
           </a:xfrm>
         </p:grpSpPr>
         <p:sp>
           <p:nvSpPr>
-            <p:cNvPr id="139" name="Rectangle"/>
+            <p:cNvPr id="141" name="Rectangle"/>
             <p:cNvSpPr/>
             <p:nvPr/>
           </p:nvSpPr>
           <p:spPr>
             <a:xfrm>
-              <a:off x="0" y="202026"/>
-              <a:ext cx="2438400" cy="616463"/>
+              <a:off x="0" y="170394"/>
+              <a:ext cx="2056616" cy="519944"/>
             </a:xfrm>
             <a:prstGeom prst="rect">
               <a:avLst/>
@@ -3878,13 +3925,279 @@
             <a:effectLst/>
           </p:spPr>
           <p:txBody>
-            <a:bodyPr wrap="square" lIns="45719" tIns="45719" rIns="45719" bIns="45719" numCol="1" anchor="ctr">
+            <a:bodyPr wrap="square" lIns="50800" tIns="50800" rIns="50800" bIns="50800" numCol="1" anchor="ctr">
               <a:noAutofit/>
             </a:bodyPr>
             <a:lstStyle/>
             <a:p>
               <a:pPr defTabSz="914400">
-                <a:defRPr b="0" sz="1600">
+                <a:defRPr sz="1600">
+                  <a:solidFill>
+                    <a:srgbClr val="FFFFFF"/>
+                  </a:solidFill>
+                  <a:latin typeface="Calibri"/>
+                  <a:ea typeface="Calibri"/>
+                  <a:cs typeface="Calibri"/>
+                  <a:sym typeface="Calibri"/>
+                </a:defRPr>
+              </a:pPr>
+            </a:p>
+          </p:txBody>
+        </p:sp>
+        <p:grpSp>
+          <p:nvGrpSpPr>
+            <p:cNvPr id="144" name=":XmlAddressBookStorage"/>
+            <p:cNvGrpSpPr/>
+            <p:nvPr/>
+          </p:nvGrpSpPr>
+          <p:grpSpPr>
+            <a:xfrm>
+              <a:off x="0" y="-1"/>
+              <a:ext cx="2056616" cy="860735"/>
+              <a:chOff x="0" y="0"/>
+              <a:chExt cx="2056615" cy="860734"/>
+            </a:xfrm>
+          </p:grpSpPr>
+          <p:sp>
+            <p:nvSpPr>
+              <p:cNvPr id="142" name="Rectangle"/>
+              <p:cNvSpPr/>
+              <p:nvPr/>
+            </p:nvSpPr>
+            <p:spPr>
+              <a:xfrm>
+                <a:off x="0" y="-1"/>
+                <a:ext cx="2056616" cy="860736"/>
+              </a:xfrm>
+              <a:prstGeom prst="rect">
+                <a:avLst/>
+              </a:prstGeom>
+              <a:solidFill>
+                <a:srgbClr val="EE230C"/>
+              </a:solidFill>
+              <a:ln w="12700" cap="flat">
+                <a:noFill/>
+                <a:miter lim="400000"/>
+              </a:ln>
+              <a:effectLst/>
+            </p:spPr>
+            <p:txBody>
+              <a:bodyPr wrap="square" lIns="50800" tIns="50800" rIns="50800" bIns="50800" numCol="1" anchor="ctr">
+                <a:noAutofit/>
+              </a:bodyPr>
+              <a:lstStyle/>
+              <a:p>
+                <a:pPr defTabSz="914400">
+                  <a:defRPr sz="1600">
+                    <a:solidFill>
+                      <a:srgbClr val="FFFFFF"/>
+                    </a:solidFill>
+                    <a:latin typeface="Calibri"/>
+                    <a:ea typeface="Calibri"/>
+                    <a:cs typeface="Calibri"/>
+                    <a:sym typeface="Calibri"/>
+                  </a:defRPr>
+                </a:pPr>
+              </a:p>
+            </p:txBody>
+          </p:sp>
+          <p:sp>
+            <p:nvSpPr>
+              <p:cNvPr id="143" name=":XmlAddressBookStorage"/>
+              <p:cNvSpPr txBox="1"/>
+              <p:nvPr/>
+            </p:nvSpPr>
+            <p:spPr>
+              <a:xfrm>
+                <a:off x="0" y="306114"/>
+                <a:ext cx="2056616" cy="248507"/>
+              </a:xfrm>
+              <a:prstGeom prst="rect">
+                <a:avLst/>
+              </a:prstGeom>
+              <a:noFill/>
+              <a:ln w="12700" cap="flat">
+                <a:noFill/>
+                <a:miter lim="400000"/>
+              </a:ln>
+              <a:effectLst/>
+              <a:extLst>
+                <a:ext uri="{C572A759-6A51-4108-AA02-DFA0A04FC94B}">
+                  <ma14:wrappingTextBoxFlag xmlns:ma14="http://schemas.microsoft.com/office/mac/drawingml/2011/main" val="1"/>
+                </a:ext>
+              </a:extLst>
+            </p:spPr>
+            <p:txBody>
+              <a:bodyPr wrap="square" lIns="45718" tIns="45718" rIns="45718" bIns="45718" numCol="1" anchor="ctr">
+                <a:noAutofit/>
+              </a:bodyPr>
+              <a:lstStyle>
+                <a:lvl1pPr defTabSz="914400">
+                  <a:defRPr sz="1400">
+                    <a:solidFill>
+                      <a:srgbClr val="FFFFFF"/>
+                    </a:solidFill>
+                    <a:latin typeface="Calibri"/>
+                    <a:ea typeface="Calibri"/>
+                    <a:cs typeface="Calibri"/>
+                    <a:sym typeface="Calibri"/>
+                  </a:defRPr>
+                </a:lvl1pPr>
+              </a:lstStyle>
+              <a:p>
+                <a:pPr/>
+                <a:r>
+                  <a:t>:XmlAddressBookStorage</a:t>
+                </a:r>
+              </a:p>
+            </p:txBody>
+          </p:sp>
+        </p:grpSp>
+      </p:grpSp>
+      <p:sp>
+        <p:nvSpPr>
+          <p:cNvPr id="146" name="Rectangle 40"/>
+          <p:cNvSpPr/>
+          <p:nvPr/>
+        </p:nvSpPr>
+        <p:spPr>
+          <a:xfrm>
+            <a:off x="10859672" y="4868071"/>
+            <a:ext cx="152402" cy="302079"/>
+          </a:xfrm>
+          <a:prstGeom prst="rect">
+            <a:avLst/>
+          </a:prstGeom>
+          <a:solidFill>
+            <a:srgbClr val="EE230C"/>
+          </a:solidFill>
+          <a:ln w="12700">
+            <a:miter lim="400000"/>
+          </a:ln>
+        </p:spPr>
+        <p:txBody>
+          <a:bodyPr lIns="50800" tIns="50800" rIns="50800" bIns="50800" anchor="ctr"/>
+          <a:lstStyle/>
+          <a:p>
+            <a:pPr defTabSz="914400">
+              <a:defRPr sz="1400">
+                <a:latin typeface="Calibri"/>
+                <a:ea typeface="Calibri"/>
+                <a:cs typeface="Calibri"/>
+                <a:sym typeface="Calibri"/>
+              </a:defRPr>
+            </a:pPr>
+          </a:p>
+        </p:txBody>
+      </p:sp>
+      <p:sp>
+        <p:nvSpPr>
+          <p:cNvPr id="147" name="Straight Arrow Connector 41"/>
+          <p:cNvSpPr/>
+          <p:nvPr/>
+        </p:nvSpPr>
+        <p:spPr>
+          <a:xfrm>
+            <a:off x="7944510" y="4505422"/>
+            <a:ext cx="1953961" cy="1"/>
+          </a:xfrm>
+          <a:prstGeom prst="line">
+            <a:avLst/>
+          </a:prstGeom>
+          <a:ln w="25400">
+            <a:solidFill>
+              <a:schemeClr val="accent5"/>
+            </a:solidFill>
+          </a:ln>
+        </p:spPr>
+        <p:txBody>
+          <a:bodyPr lIns="45718" tIns="45718" rIns="45718" bIns="45718"/>
+          <a:lstStyle/>
+          <a:p>
+            <a:pPr/>
+          </a:p>
+        </p:txBody>
+      </p:sp>
+      <p:sp>
+        <p:nvSpPr>
+          <p:cNvPr id="148" name="Straight Arrow Connector 43"/>
+          <p:cNvSpPr/>
+          <p:nvPr/>
+        </p:nvSpPr>
+        <p:spPr>
+          <a:xfrm>
+            <a:off x="7812001" y="5151972"/>
+            <a:ext cx="3138845" cy="2"/>
+          </a:xfrm>
+          <a:prstGeom prst="line">
+            <a:avLst/>
+          </a:prstGeom>
+          <a:ln w="38100">
+            <a:solidFill>
+              <a:srgbClr val="EE230C"/>
+            </a:solidFill>
+            <a:custDash>
+              <a:ds d="200000" sp="200000"/>
+            </a:custDash>
+            <a:miter lim="400000"/>
+          </a:ln>
+        </p:spPr>
+        <p:txBody>
+          <a:bodyPr lIns="45718" tIns="45718" rIns="45718" bIns="45718"/>
+          <a:lstStyle/>
+          <a:p>
+            <a:pPr/>
+          </a:p>
+        </p:txBody>
+      </p:sp>
+      <p:grpSp>
+        <p:nvGrpSpPr>
+          <p:cNvPr id="151" name="Rectangle 62"/>
+          <p:cNvGrpSpPr/>
+          <p:nvPr/>
+        </p:nvGrpSpPr>
+        <p:grpSpPr>
+          <a:xfrm>
+            <a:off x="7061528" y="2947375"/>
+            <a:ext cx="1586953" cy="503179"/>
+            <a:chOff x="0" y="0"/>
+            <a:chExt cx="1586951" cy="503178"/>
+          </a:xfrm>
+        </p:grpSpPr>
+        <p:sp>
+          <p:nvSpPr>
+            <p:cNvPr id="149" name="Rectangle"/>
+            <p:cNvSpPr/>
+            <p:nvPr/>
+          </p:nvSpPr>
+          <p:spPr>
+            <a:xfrm>
+              <a:off x="0" y="0"/>
+              <a:ext cx="1586952" cy="503179"/>
+            </a:xfrm>
+            <a:prstGeom prst="rect">
+              <a:avLst/>
+            </a:prstGeom>
+            <a:solidFill>
+              <a:srgbClr val="E46C0A"/>
+            </a:solidFill>
+            <a:ln w="19050" cap="flat">
+              <a:solidFill>
+                <a:srgbClr val="E46C0A"/>
+              </a:solidFill>
+              <a:prstDash val="solid"/>
+              <a:round/>
+            </a:ln>
+            <a:effectLst/>
+          </p:spPr>
+          <p:txBody>
+            <a:bodyPr wrap="square" lIns="50800" tIns="50800" rIns="50800" bIns="50800" numCol="1" anchor="ctr">
+              <a:noAutofit/>
+            </a:bodyPr>
+            <a:lstStyle/>
+            <a:p>
+              <a:pPr defTabSz="914400">
+                <a:defRPr sz="1600">
                   <a:solidFill>
                     <a:srgbClr val="FFFFFF"/>
                   </a:solidFill>
@@ -3899,301 +4212,14 @@
         </p:sp>
         <p:sp>
           <p:nvSpPr>
-            <p:cNvPr id="140" name=":XmlAddressBookStorage"/>
+            <p:cNvPr id="150" name=":LoadCommand"/>
             <p:cNvSpPr txBox="1"/>
             <p:nvPr/>
           </p:nvSpPr>
           <p:spPr>
             <a:xfrm>
-              <a:off x="0" y="-1"/>
-              <a:ext cx="2438400" cy="1020517"/>
-            </a:xfrm>
-            <a:prstGeom prst="rect">
-              <a:avLst/>
-            </a:prstGeom>
-            <a:solidFill>
-              <a:schemeClr val="accent5">
-                <a:hueOff val="-82419"/>
-                <a:satOff val="-9513"/>
-                <a:lumOff val="-16343"/>
-              </a:schemeClr>
-            </a:solidFill>
-            <a:ln w="12700" cap="flat">
-              <a:noFill/>
-              <a:miter lim="400000"/>
-            </a:ln>
-            <a:effectLst/>
-            <a:extLst>
-              <a:ext uri="{C572A759-6A51-4108-AA02-DFA0A04FC94B}">
-                <ma14:wrappingTextBoxFlag xmlns:ma14="http://schemas.microsoft.com/office/mac/drawingml/2011/main" val="1"/>
-              </a:ext>
-            </a:extLst>
-          </p:spPr>
-          <p:txBody>
-            <a:bodyPr wrap="square" lIns="45719" tIns="45719" rIns="45719" bIns="45719" numCol="1" anchor="ctr">
-              <a:noAutofit/>
-            </a:bodyPr>
-            <a:lstStyle>
-              <a:lvl1pPr defTabSz="914400">
-                <a:defRPr b="0" sz="1600">
-                  <a:solidFill>
-                    <a:srgbClr val="FFFFFF"/>
-                  </a:solidFill>
-                  <a:latin typeface="Calibri"/>
-                  <a:ea typeface="Calibri"/>
-                  <a:cs typeface="Calibri"/>
-                  <a:sym typeface="Calibri"/>
-                </a:defRPr>
-              </a:lvl1pPr>
-            </a:lstStyle>
-            <a:p>
-              <a:pPr/>
-              <a:r>
-                <a:t>:XmlAddressBookStorage</a:t>
-              </a:r>
-            </a:p>
-          </p:txBody>
-        </p:sp>
-      </p:grpSp>
-      <p:sp>
-        <p:nvSpPr>
-          <p:cNvPr id="142" name="Straight Connector 39"/>
-          <p:cNvSpPr/>
-          <p:nvPr/>
-        </p:nvSpPr>
-        <p:spPr>
-          <a:xfrm>
-            <a:off x="9630063" y="3915517"/>
-            <a:ext cx="1" cy="972063"/>
-          </a:xfrm>
-          <a:prstGeom prst="line">
-            <a:avLst/>
-          </a:prstGeom>
-          <a:gradFill>
-            <a:gsLst>
-              <a:gs pos="0">
-                <a:srgbClr val="A2C3FF"/>
-              </a:gs>
-              <a:gs pos="35000">
-                <a:srgbClr val="BDD4FF"/>
-              </a:gs>
-              <a:gs pos="100000">
-                <a:srgbClr val="E6EEFF"/>
-              </a:gs>
-            </a:gsLst>
-            <a:lin ang="16200000"/>
-          </a:gradFill>
-          <a:ln w="19050">
-            <a:solidFill>
-              <a:srgbClr val="31859C"/>
-            </a:solidFill>
-            <a:prstDash val="sysDash"/>
-          </a:ln>
-        </p:spPr>
-        <p:txBody>
-          <a:bodyPr lIns="45719" rIns="45719"/>
-          <a:lstStyle/>
-          <a:p>
-            <a:pPr algn="l" defTabSz="914400">
-              <a:defRPr b="0" sz="1800">
-                <a:latin typeface="Calibri"/>
-                <a:ea typeface="Calibri"/>
-                <a:cs typeface="Calibri"/>
-                <a:sym typeface="Calibri"/>
-              </a:defRPr>
-            </a:pPr>
-          </a:p>
-        </p:txBody>
-      </p:sp>
-      <p:sp>
-        <p:nvSpPr>
-          <p:cNvPr id="143" name="Rectangle 40"/>
-          <p:cNvSpPr/>
-          <p:nvPr/>
-        </p:nvSpPr>
-        <p:spPr>
-          <a:xfrm>
-            <a:off x="9540054" y="3585479"/>
-            <a:ext cx="152401" cy="302078"/>
-          </a:xfrm>
-          <a:prstGeom prst="rect">
-            <a:avLst/>
-          </a:prstGeom>
-          <a:solidFill>
-            <a:schemeClr val="accent5">
-              <a:hueOff val="-82419"/>
-              <a:satOff val="-9513"/>
-              <a:lumOff val="-16343"/>
-            </a:schemeClr>
-          </a:solidFill>
-          <a:ln w="12700">
-            <a:miter lim="400000"/>
-          </a:ln>
-        </p:spPr>
-        <p:txBody>
-          <a:bodyPr lIns="45719" rIns="45719" anchor="ctr"/>
-          <a:lstStyle/>
-          <a:p>
-            <a:pPr defTabSz="914400">
-              <a:defRPr b="0" sz="1400">
-                <a:latin typeface="Calibri"/>
-                <a:ea typeface="Calibri"/>
-                <a:cs typeface="Calibri"/>
-                <a:sym typeface="Calibri"/>
-              </a:defRPr>
-            </a:pPr>
-          </a:p>
-        </p:txBody>
-      </p:sp>
-      <p:sp>
-        <p:nvSpPr>
-          <p:cNvPr id="144" name="Straight Arrow Connector 41"/>
-          <p:cNvSpPr/>
-          <p:nvPr/>
-        </p:nvSpPr>
-        <p:spPr>
-          <a:xfrm>
-            <a:off x="6383592" y="3265903"/>
-            <a:ext cx="2125161" cy="1"/>
-          </a:xfrm>
-          <a:prstGeom prst="line">
-            <a:avLst/>
-          </a:prstGeom>
-          <a:ln w="19050">
-            <a:solidFill>
-              <a:srgbClr val="7030A0"/>
-            </a:solidFill>
-            <a:tailEnd type="triangle"/>
-          </a:ln>
-        </p:spPr>
-        <p:txBody>
-          <a:bodyPr lIns="45719" rIns="45719"/>
-          <a:lstStyle/>
-          <a:p>
-            <a:pPr algn="l" defTabSz="914400">
-              <a:defRPr b="0" sz="1800">
-                <a:latin typeface="Calibri"/>
-                <a:ea typeface="Calibri"/>
-                <a:cs typeface="Calibri"/>
-                <a:sym typeface="Calibri"/>
-              </a:defRPr>
-            </a:pPr>
-          </a:p>
-        </p:txBody>
-      </p:sp>
-      <p:sp>
-        <p:nvSpPr>
-          <p:cNvPr id="145" name="Straight Arrow Connector 43"/>
-          <p:cNvSpPr/>
-          <p:nvPr/>
-        </p:nvSpPr>
-        <p:spPr>
-          <a:xfrm>
-            <a:off x="6540265" y="3881966"/>
-            <a:ext cx="3138844" cy="1"/>
-          </a:xfrm>
-          <a:prstGeom prst="line">
-            <a:avLst/>
-          </a:prstGeom>
-          <a:ln w="38100">
-            <a:solidFill>
-              <a:schemeClr val="accent5">
-                <a:hueOff val="-82419"/>
-                <a:satOff val="-9513"/>
-                <a:lumOff val="-16343"/>
-              </a:schemeClr>
-            </a:solidFill>
-            <a:custDash>
-              <a:ds d="200000" sp="200000"/>
-            </a:custDash>
-            <a:miter lim="400000"/>
-          </a:ln>
-        </p:spPr>
-        <p:txBody>
-          <a:bodyPr lIns="45719" rIns="45719"/>
-          <a:lstStyle/>
-          <a:p>
-            <a:pPr algn="l" defTabSz="914400">
-              <a:defRPr b="0" sz="1800">
-                <a:latin typeface="Calibri"/>
-                <a:ea typeface="Calibri"/>
-                <a:cs typeface="Calibri"/>
-                <a:sym typeface="Calibri"/>
-              </a:defRPr>
-            </a:pPr>
-          </a:p>
-        </p:txBody>
-      </p:sp>
-      <p:grpSp>
-        <p:nvGrpSpPr>
-          <p:cNvPr id="148" name="Rectangle 62"/>
-          <p:cNvGrpSpPr/>
-          <p:nvPr/>
-        </p:nvGrpSpPr>
-        <p:grpSpPr>
-          <a:xfrm>
-            <a:off x="9831098" y="4744786"/>
-            <a:ext cx="1586951" cy="832978"/>
-            <a:chOff x="0" y="-164900"/>
-            <a:chExt cx="1586950" cy="832977"/>
-          </a:xfrm>
-        </p:grpSpPr>
-        <p:sp>
-          <p:nvSpPr>
-            <p:cNvPr id="146" name="Rectangle"/>
-            <p:cNvSpPr/>
-            <p:nvPr/>
-          </p:nvSpPr>
-          <p:spPr>
-            <a:xfrm>
-              <a:off x="0" y="-1"/>
-              <a:ext cx="1586951" cy="503178"/>
-            </a:xfrm>
-            <a:prstGeom prst="rect">
-              <a:avLst/>
-            </a:prstGeom>
-            <a:solidFill>
-              <a:srgbClr val="E46C0A"/>
-            </a:solidFill>
-            <a:ln w="19050" cap="flat">
-              <a:solidFill>
-                <a:srgbClr val="E46C0A"/>
-              </a:solidFill>
-              <a:prstDash val="solid"/>
-              <a:round/>
-            </a:ln>
-            <a:effectLst/>
-          </p:spPr>
-          <p:txBody>
-            <a:bodyPr wrap="square" lIns="45719" tIns="45719" rIns="45719" bIns="45719" numCol="1" anchor="ctr">
-              <a:noAutofit/>
-            </a:bodyPr>
-            <a:lstStyle/>
-            <a:p>
-              <a:pPr defTabSz="914400">
-                <a:defRPr b="0" sz="1600">
-                  <a:solidFill>
-                    <a:srgbClr val="FFFFFF"/>
-                  </a:solidFill>
-                  <a:latin typeface="Calibri"/>
-                  <a:ea typeface="Calibri"/>
-                  <a:cs typeface="Calibri"/>
-                  <a:sym typeface="Calibri"/>
-                </a:defRPr>
-              </a:pPr>
-            </a:p>
-          </p:txBody>
-        </p:sp>
-        <p:sp>
-          <p:nvSpPr>
-            <p:cNvPr id="147" name=":LoadCommand"/>
-            <p:cNvSpPr txBox="1"/>
-            <p:nvPr/>
-          </p:nvSpPr>
-          <p:spPr>
-            <a:xfrm>
-              <a:off x="0" y="-164901"/>
-              <a:ext cx="1586951" cy="832978"/>
+              <a:off x="0" y="85220"/>
+              <a:ext cx="1586952" cy="332739"/>
             </a:xfrm>
             <a:prstGeom prst="rect">
               <a:avLst/>
@@ -4211,12 +4237,12 @@
             </a:extLst>
           </p:spPr>
           <p:txBody>
-            <a:bodyPr wrap="square" lIns="45719" tIns="45719" rIns="45719" bIns="45719" numCol="1" anchor="ctr">
-              <a:noAutofit/>
+            <a:bodyPr wrap="square" lIns="45718" tIns="45718" rIns="45718" bIns="45718" numCol="1" anchor="ctr">
+              <a:spAutoFit/>
             </a:bodyPr>
             <a:lstStyle>
               <a:lvl1pPr defTabSz="914400">
-                <a:defRPr b="0" sz="1600">
+                <a:defRPr sz="1600">
                   <a:solidFill>
                     <a:srgbClr val="FFFFFF"/>
                   </a:solidFill>
@@ -4238,14 +4264,14 @@
       </p:grpSp>
       <p:sp>
         <p:nvSpPr>
-          <p:cNvPr id="149" name="Straight Connector 53"/>
+          <p:cNvPr id="152" name="Straight Connector 53"/>
           <p:cNvSpPr/>
           <p:nvPr/>
         </p:nvSpPr>
         <p:spPr>
-          <a:xfrm>
-            <a:off x="10624573" y="5632842"/>
-            <a:ext cx="1" cy="2328662"/>
+          <a:xfrm flipH="1">
+            <a:off x="7855004" y="3716567"/>
+            <a:ext cx="1" cy="4553246"/>
           </a:xfrm>
           <a:prstGeom prst="line">
             <a:avLst/>
@@ -4272,11 +4298,42 @@
           </a:ln>
         </p:spPr>
         <p:txBody>
-          <a:bodyPr lIns="45719" rIns="45719"/>
+          <a:bodyPr lIns="45718" tIns="45718" rIns="45718" bIns="45718"/>
           <a:lstStyle/>
           <a:p>
-            <a:pPr algn="l" defTabSz="914400">
-              <a:defRPr b="0" sz="1800">
+            <a:pPr/>
+          </a:p>
+        </p:txBody>
+      </p:sp>
+      <p:sp>
+        <p:nvSpPr>
+          <p:cNvPr id="153" name="Rectangle 54"/>
+          <p:cNvSpPr/>
+          <p:nvPr/>
+        </p:nvSpPr>
+        <p:spPr>
+          <a:xfrm>
+            <a:off x="7775585" y="3427333"/>
+            <a:ext cx="124480" cy="287411"/>
+          </a:xfrm>
+          <a:prstGeom prst="rect">
+            <a:avLst/>
+          </a:prstGeom>
+          <a:solidFill>
+            <a:srgbClr val="E46C0A"/>
+          </a:solidFill>
+          <a:ln>
+            <a:solidFill>
+              <a:srgbClr val="E46C0A"/>
+            </a:solidFill>
+          </a:ln>
+        </p:spPr>
+        <p:txBody>
+          <a:bodyPr lIns="50800" tIns="50800" rIns="50800" bIns="50800" anchor="ctr"/>
+          <a:lstStyle/>
+          <a:p>
+            <a:pPr defTabSz="914400">
+              <a:defRPr sz="1400">
                 <a:latin typeface="Calibri"/>
                 <a:ea typeface="Calibri"/>
                 <a:cs typeface="Calibri"/>
@@ -4288,125 +4345,72 @@
       </p:sp>
       <p:sp>
         <p:nvSpPr>
-          <p:cNvPr id="150" name="Rectangle 54"/>
+          <p:cNvPr id="154" name="Straight Arrow Connector 62"/>
           <p:cNvSpPr/>
           <p:nvPr/>
         </p:nvSpPr>
         <p:spPr>
-          <a:xfrm>
-            <a:off x="10562334" y="5394617"/>
-            <a:ext cx="124479" cy="287410"/>
-          </a:xfrm>
-          <a:prstGeom prst="rect">
-            <a:avLst/>
-          </a:prstGeom>
-          <a:solidFill>
-            <a:srgbClr val="E46C0A"/>
-          </a:solidFill>
-          <a:ln>
+          <a:xfrm flipH="1">
+            <a:off x="3363023" y="7986869"/>
+            <a:ext cx="4419769" cy="1"/>
+          </a:xfrm>
+          <a:prstGeom prst="line">
+            <a:avLst/>
+          </a:prstGeom>
+          <a:ln w="19050">
             <a:solidFill>
               <a:srgbClr val="E46C0A"/>
             </a:solidFill>
-          </a:ln>
-        </p:spPr>
-        <p:txBody>
-          <a:bodyPr lIns="45719" rIns="45719" anchor="ctr"/>
+            <a:prstDash val="sysDash"/>
+            <a:tailEnd type="triangle"/>
+          </a:ln>
+        </p:spPr>
+        <p:txBody>
+          <a:bodyPr lIns="45718" tIns="45718" rIns="45718" bIns="45718"/>
           <a:lstStyle/>
           <a:p>
-            <a:pPr defTabSz="914400">
-              <a:defRPr b="0" sz="1400">
-                <a:latin typeface="Calibri"/>
-                <a:ea typeface="Calibri"/>
-                <a:cs typeface="Calibri"/>
-                <a:sym typeface="Calibri"/>
-              </a:defRPr>
-            </a:pPr>
-          </a:p>
-        </p:txBody>
-      </p:sp>
-      <p:sp>
-        <p:nvSpPr>
-          <p:cNvPr id="151" name="Straight Arrow Connector 62"/>
+            <a:pPr/>
+          </a:p>
+        </p:txBody>
+      </p:sp>
+      <p:sp>
+        <p:nvSpPr>
+          <p:cNvPr id="155" name="Straight Arrow Connector 41"/>
           <p:cNvSpPr/>
           <p:nvPr/>
         </p:nvSpPr>
         <p:spPr>
-          <a:xfrm flipH="1" flipV="1">
-            <a:off x="6383592" y="5691090"/>
-            <a:ext cx="4281445" cy="1"/>
+          <a:xfrm>
+            <a:off x="7852224" y="5492903"/>
+            <a:ext cx="3058398" cy="1"/>
           </a:xfrm>
           <a:prstGeom prst="line">
             <a:avLst/>
           </a:prstGeom>
-          <a:ln w="19050">
-            <a:solidFill>
-              <a:srgbClr val="E46C0A"/>
-            </a:solidFill>
-            <a:prstDash val="sysDash"/>
-            <a:tailEnd type="triangle"/>
-          </a:ln>
-        </p:spPr>
-        <p:txBody>
-          <a:bodyPr lIns="45719" rIns="45719"/>
+          <a:ln w="25400">
+            <a:solidFill>
+              <a:schemeClr val="accent5"/>
+            </a:solidFill>
+          </a:ln>
+        </p:spPr>
+        <p:txBody>
+          <a:bodyPr lIns="45718" tIns="45718" rIns="45718" bIns="45718"/>
           <a:lstStyle/>
           <a:p>
-            <a:pPr algn="l" defTabSz="914400">
-              <a:defRPr b="0" sz="1800">
-                <a:latin typeface="Calibri"/>
-                <a:ea typeface="Calibri"/>
-                <a:cs typeface="Calibri"/>
-                <a:sym typeface="Calibri"/>
-              </a:defRPr>
-            </a:pPr>
-          </a:p>
-        </p:txBody>
-      </p:sp>
-      <p:sp>
-        <p:nvSpPr>
-          <p:cNvPr id="152" name="Straight Arrow Connector 41"/>
-          <p:cNvSpPr/>
-          <p:nvPr/>
-        </p:nvSpPr>
-        <p:spPr>
-          <a:xfrm>
-            <a:off x="6383592" y="4210310"/>
-            <a:ext cx="3207411" cy="1"/>
-          </a:xfrm>
-          <a:prstGeom prst="line">
-            <a:avLst/>
-          </a:prstGeom>
-          <a:ln w="19050">
-            <a:solidFill>
-              <a:srgbClr val="7030A0"/>
-            </a:solidFill>
-            <a:tailEnd type="triangle"/>
-          </a:ln>
-        </p:spPr>
-        <p:txBody>
-          <a:bodyPr lIns="45719" rIns="45719"/>
-          <a:lstStyle/>
-          <a:p>
-            <a:pPr algn="l" defTabSz="914400">
-              <a:defRPr b="0" sz="1800">
-                <a:latin typeface="Calibri"/>
-                <a:ea typeface="Calibri"/>
-                <a:cs typeface="Calibri"/>
-                <a:sym typeface="Calibri"/>
-              </a:defRPr>
-            </a:pPr>
-          </a:p>
-        </p:txBody>
-      </p:sp>
-      <p:sp>
-        <p:nvSpPr>
-          <p:cNvPr id="153" name="TextBox 32"/>
+            <a:pPr/>
+          </a:p>
+        </p:txBody>
+      </p:sp>
+      <p:sp>
+        <p:nvSpPr>
+          <p:cNvPr id="156" name="TextBox 32"/>
           <p:cNvSpPr txBox="1"/>
           <p:nvPr/>
         </p:nvSpPr>
         <p:spPr>
           <a:xfrm>
-            <a:off x="6461014" y="3993079"/>
-            <a:ext cx="2438401" cy="203201"/>
+            <a:off x="8021932" y="5232599"/>
+            <a:ext cx="2438402" cy="203201"/>
           </a:xfrm>
           <a:prstGeom prst="rect">
             <a:avLst/>
@@ -4426,13 +4430,9 @@
           </a:bodyPr>
           <a:lstStyle>
             <a:lvl1pPr algn="l" defTabSz="914400">
-              <a:defRPr b="0" sz="1400">
+              <a:defRPr sz="1400">
                 <a:solidFill>
-                  <a:schemeClr val="accent5">
-                    <a:hueOff val="-82419"/>
-                    <a:satOff val="-9513"/>
-                    <a:lumOff val="-16343"/>
-                  </a:schemeClr>
+                  <a:srgbClr val="EE230C"/>
                 </a:solidFill>
                 <a:latin typeface="Calibri"/>
                 <a:ea typeface="Calibri"/>
@@ -4451,25 +4451,21 @@
       </p:sp>
       <p:sp>
         <p:nvSpPr>
-          <p:cNvPr id="154" name="Straight Arrow Connector 43"/>
+          <p:cNvPr id="157" name="Straight Arrow Connector 43"/>
           <p:cNvSpPr/>
           <p:nvPr/>
         </p:nvSpPr>
         <p:spPr>
           <a:xfrm>
-            <a:off x="6480159" y="4627122"/>
-            <a:ext cx="3163291" cy="1"/>
+            <a:off x="7799777" y="6183423"/>
+            <a:ext cx="3163292" cy="2"/>
           </a:xfrm>
           <a:prstGeom prst="line">
             <a:avLst/>
           </a:prstGeom>
           <a:ln w="38100">
             <a:solidFill>
-              <a:schemeClr val="accent5">
-                <a:hueOff val="-82419"/>
-                <a:satOff val="-9513"/>
-                <a:lumOff val="-16343"/>
-              </a:schemeClr>
+              <a:srgbClr val="EE230C"/>
             </a:solidFill>
             <a:custDash>
               <a:ds d="200000" sp="200000"/>
@@ -4478,11 +4474,40 @@
           </a:ln>
         </p:spPr>
         <p:txBody>
-          <a:bodyPr lIns="45719" rIns="45719"/>
+          <a:bodyPr lIns="45718" tIns="45718" rIns="45718" bIns="45718"/>
           <a:lstStyle/>
           <a:p>
-            <a:pPr algn="l" defTabSz="914400">
-              <a:defRPr b="0" sz="1800">
+            <a:pPr/>
+          </a:p>
+        </p:txBody>
+      </p:sp>
+      <p:sp>
+        <p:nvSpPr>
+          <p:cNvPr id="158" name="Rectangle 40"/>
+          <p:cNvSpPr/>
+          <p:nvPr/>
+        </p:nvSpPr>
+        <p:spPr>
+          <a:xfrm>
+            <a:off x="10873482" y="5509290"/>
+            <a:ext cx="152402" cy="675699"/>
+          </a:xfrm>
+          <a:prstGeom prst="rect">
+            <a:avLst/>
+          </a:prstGeom>
+          <a:solidFill>
+            <a:srgbClr val="EE230C"/>
+          </a:solidFill>
+          <a:ln w="12700">
+            <a:miter lim="400000"/>
+          </a:ln>
+        </p:spPr>
+        <p:txBody>
+          <a:bodyPr lIns="50800" tIns="50800" rIns="50800" bIns="50800" anchor="ctr"/>
+          <a:lstStyle/>
+          <a:p>
+            <a:pPr defTabSz="914400">
+              <a:defRPr sz="1400">
                 <a:latin typeface="Calibri"/>
                 <a:ea typeface="Calibri"/>
                 <a:cs typeface="Calibri"/>
@@ -4494,35 +4519,33 @@
       </p:sp>
       <p:sp>
         <p:nvSpPr>
-          <p:cNvPr id="155" name="Rectangle 40"/>
+          <p:cNvPr id="159" name="Rectangle 20"/>
           <p:cNvSpPr/>
           <p:nvPr/>
         </p:nvSpPr>
         <p:spPr>
           <a:xfrm>
-            <a:off x="9553864" y="4226698"/>
-            <a:ext cx="152401" cy="404659"/>
+            <a:off x="6240512" y="2131305"/>
+            <a:ext cx="124480" cy="396877"/>
           </a:xfrm>
           <a:prstGeom prst="rect">
             <a:avLst/>
           </a:prstGeom>
           <a:solidFill>
-            <a:schemeClr val="accent5">
-              <a:hueOff val="-82419"/>
-              <a:satOff val="-9513"/>
-              <a:lumOff val="-16343"/>
-            </a:schemeClr>
+            <a:srgbClr val="7030A0"/>
           </a:solidFill>
-          <a:ln w="12700">
-            <a:miter lim="400000"/>
-          </a:ln>
-        </p:spPr>
-        <p:txBody>
-          <a:bodyPr lIns="45719" rIns="45719" anchor="ctr"/>
+          <a:ln>
+            <a:solidFill>
+              <a:srgbClr val="7030A0"/>
+            </a:solidFill>
+          </a:ln>
+        </p:spPr>
+        <p:txBody>
+          <a:bodyPr lIns="50800" tIns="50800" rIns="50800" bIns="50800" anchor="ctr"/>
           <a:lstStyle/>
           <a:p>
             <a:pPr defTabSz="914400">
-              <a:defRPr b="0" sz="1400">
+              <a:defRPr sz="1400">
                 <a:latin typeface="Calibri"/>
                 <a:ea typeface="Calibri"/>
                 <a:cs typeface="Calibri"/>
@@ -4534,52 +4557,14 @@
       </p:sp>
       <p:sp>
         <p:nvSpPr>
-          <p:cNvPr id="156" name="Rectangle 20"/>
+          <p:cNvPr id="160" name="Straight Connector 16"/>
           <p:cNvSpPr/>
           <p:nvPr/>
         </p:nvSpPr>
         <p:spPr>
-          <a:xfrm>
-            <a:off x="6240512" y="2131306"/>
-            <a:ext cx="124479" cy="396876"/>
-          </a:xfrm>
-          <a:prstGeom prst="rect">
-            <a:avLst/>
-          </a:prstGeom>
-          <a:solidFill>
-            <a:srgbClr val="7030A0"/>
-          </a:solidFill>
-          <a:ln>
-            <a:solidFill>
-              <a:srgbClr val="7030A0"/>
-            </a:solidFill>
-          </a:ln>
-        </p:spPr>
-        <p:txBody>
-          <a:bodyPr lIns="45719" rIns="45719" anchor="ctr"/>
-          <a:lstStyle/>
-          <a:p>
-            <a:pPr defTabSz="914400">
-              <a:defRPr b="0" sz="1400">
-                <a:latin typeface="Calibri"/>
-                <a:ea typeface="Calibri"/>
-                <a:cs typeface="Calibri"/>
-                <a:sym typeface="Calibri"/>
-              </a:defRPr>
-            </a:pPr>
-          </a:p>
-        </p:txBody>
-      </p:sp>
-      <p:sp>
-        <p:nvSpPr>
-          <p:cNvPr id="157" name="Straight Connector 16"/>
-          <p:cNvSpPr/>
-          <p:nvPr/>
-        </p:nvSpPr>
-        <p:spPr>
           <a:xfrm flipH="1">
-            <a:off x="3295292" y="6138381"/>
-            <a:ext cx="1" cy="2555077"/>
+            <a:off x="3295291" y="6138381"/>
+            <a:ext cx="2" cy="2555078"/>
           </a:xfrm>
           <a:prstGeom prst="line">
             <a:avLst/>
@@ -4606,30 +4591,23 @@
           </a:ln>
         </p:spPr>
         <p:txBody>
-          <a:bodyPr lIns="45719" rIns="45719"/>
+          <a:bodyPr lIns="45718" tIns="45718" rIns="45718" bIns="45718"/>
           <a:lstStyle/>
           <a:p>
-            <a:pPr algn="l" defTabSz="914400">
-              <a:defRPr b="0" sz="1800">
-                <a:latin typeface="Calibri"/>
-                <a:ea typeface="Calibri"/>
-                <a:cs typeface="Calibri"/>
-                <a:sym typeface="Calibri"/>
-              </a:defRPr>
-            </a:pPr>
-          </a:p>
-        </p:txBody>
-      </p:sp>
-      <p:sp>
-        <p:nvSpPr>
-          <p:cNvPr id="158" name="Straight Connector 19"/>
+            <a:pPr/>
+          </a:p>
+        </p:txBody>
+      </p:sp>
+      <p:sp>
+        <p:nvSpPr>
+          <p:cNvPr id="161" name="Straight Connector 19"/>
           <p:cNvSpPr/>
           <p:nvPr/>
         </p:nvSpPr>
         <p:spPr>
           <a:xfrm>
-            <a:off x="6296485" y="2515810"/>
-            <a:ext cx="1" cy="564655"/>
+            <a:off x="6296485" y="2515809"/>
+            <a:ext cx="2" cy="564657"/>
           </a:xfrm>
           <a:prstGeom prst="line">
             <a:avLst/>
@@ -4656,30 +4634,23 @@
           </a:ln>
         </p:spPr>
         <p:txBody>
-          <a:bodyPr lIns="45719" rIns="45719"/>
+          <a:bodyPr lIns="45718" tIns="45718" rIns="45718" bIns="45718"/>
           <a:lstStyle/>
           <a:p>
-            <a:pPr algn="l" defTabSz="914400">
-              <a:defRPr b="0" sz="1800">
-                <a:latin typeface="Calibri"/>
-                <a:ea typeface="Calibri"/>
-                <a:cs typeface="Calibri"/>
-                <a:sym typeface="Calibri"/>
-              </a:defRPr>
-            </a:pPr>
-          </a:p>
-        </p:txBody>
-      </p:sp>
-      <p:sp>
-        <p:nvSpPr>
-          <p:cNvPr id="159" name="Straight Arrow Connector 27"/>
+            <a:pPr/>
+          </a:p>
+        </p:txBody>
+      </p:sp>
+      <p:sp>
+        <p:nvSpPr>
+          <p:cNvPr id="162" name="Straight Arrow Connector 27"/>
           <p:cNvSpPr/>
           <p:nvPr/>
         </p:nvSpPr>
         <p:spPr>
           <a:xfrm>
-            <a:off x="3363497" y="2798137"/>
-            <a:ext cx="2838089" cy="1"/>
+            <a:off x="3363497" y="2798136"/>
+            <a:ext cx="2838090" cy="2"/>
           </a:xfrm>
           <a:prstGeom prst="line">
             <a:avLst/>
@@ -4692,30 +4663,23 @@
           </a:ln>
         </p:spPr>
         <p:txBody>
-          <a:bodyPr lIns="45719" rIns="45719"/>
+          <a:bodyPr lIns="45718" tIns="45718" rIns="45718" bIns="45718"/>
           <a:lstStyle/>
           <a:p>
-            <a:pPr algn="l" defTabSz="914400">
-              <a:defRPr b="0" sz="1800">
-                <a:latin typeface="Calibri"/>
-                <a:ea typeface="Calibri"/>
-                <a:cs typeface="Calibri"/>
-                <a:sym typeface="Calibri"/>
-              </a:defRPr>
-            </a:pPr>
-          </a:p>
-        </p:txBody>
-      </p:sp>
-      <p:sp>
-        <p:nvSpPr>
-          <p:cNvPr id="160" name="TextBox 28"/>
+            <a:pPr/>
+          </a:p>
+        </p:txBody>
+      </p:sp>
+      <p:sp>
+        <p:nvSpPr>
+          <p:cNvPr id="163" name="TextBox 28"/>
           <p:cNvSpPr txBox="1"/>
           <p:nvPr/>
         </p:nvSpPr>
         <p:spPr>
           <a:xfrm>
-            <a:off x="3745096" y="2517397"/>
-            <a:ext cx="1790067" cy="203201"/>
+            <a:off x="3745095" y="2517396"/>
+            <a:ext cx="1790068" cy="203201"/>
           </a:xfrm>
           <a:prstGeom prst="rect">
             <a:avLst/>
@@ -4735,7 +4699,7 @@
           </a:bodyPr>
           <a:lstStyle>
             <a:lvl1pPr algn="l" defTabSz="914400">
-              <a:defRPr b="0" sz="1400">
+              <a:defRPr sz="1400">
                 <a:solidFill>
                   <a:srgbClr val="7030A0"/>
                 </a:solidFill>
@@ -4756,14 +4720,14 @@
       </p:sp>
       <p:sp>
         <p:nvSpPr>
-          <p:cNvPr id="161" name="Straight Connector 4"/>
+          <p:cNvPr id="164" name="Straight Connector 4"/>
           <p:cNvSpPr/>
           <p:nvPr/>
         </p:nvSpPr>
         <p:spPr>
           <a:xfrm flipH="1">
             <a:off x="985781" y="8231626"/>
-            <a:ext cx="1" cy="924441"/>
+            <a:ext cx="2" cy="924441"/>
           </a:xfrm>
           <a:prstGeom prst="line">
             <a:avLst/>
@@ -4790,30 +4754,23 @@
           </a:ln>
         </p:spPr>
         <p:txBody>
-          <a:bodyPr lIns="45719" rIns="45719"/>
+          <a:bodyPr lIns="45718" tIns="45718" rIns="45718" bIns="45718"/>
           <a:lstStyle/>
           <a:p>
-            <a:pPr algn="l" defTabSz="914400">
-              <a:defRPr b="0" sz="1800">
-                <a:latin typeface="Calibri"/>
-                <a:ea typeface="Calibri"/>
-                <a:cs typeface="Calibri"/>
-                <a:sym typeface="Calibri"/>
-              </a:defRPr>
-            </a:pPr>
-          </a:p>
-        </p:txBody>
-      </p:sp>
-      <p:sp>
-        <p:nvSpPr>
-          <p:cNvPr id="162" name="Straight Arrow Connector 41"/>
+            <a:pPr/>
+          </a:p>
+        </p:txBody>
+      </p:sp>
+      <p:sp>
+        <p:nvSpPr>
+          <p:cNvPr id="165" name="Straight Arrow Connector 41"/>
           <p:cNvSpPr/>
           <p:nvPr/>
         </p:nvSpPr>
         <p:spPr>
           <a:xfrm>
-            <a:off x="6383592" y="5161274"/>
-            <a:ext cx="3452190" cy="1"/>
+            <a:off x="6372812" y="2950130"/>
+            <a:ext cx="758561" cy="1"/>
           </a:xfrm>
           <a:prstGeom prst="line">
             <a:avLst/>
@@ -4826,30 +4783,23 @@
           </a:ln>
         </p:spPr>
         <p:txBody>
-          <a:bodyPr lIns="45719" rIns="45719"/>
+          <a:bodyPr lIns="45718" tIns="45718" rIns="45718" bIns="45718"/>
           <a:lstStyle/>
           <a:p>
-            <a:pPr algn="l" defTabSz="914400">
-              <a:defRPr b="0" sz="1800">
-                <a:latin typeface="Calibri"/>
-                <a:ea typeface="Calibri"/>
-                <a:cs typeface="Calibri"/>
-                <a:sym typeface="Calibri"/>
-              </a:defRPr>
-            </a:pPr>
-          </a:p>
-        </p:txBody>
-      </p:sp>
-      <p:sp>
-        <p:nvSpPr>
-          <p:cNvPr id="163" name="TextBox 73"/>
+            <a:pPr/>
+          </a:p>
+        </p:txBody>
+      </p:sp>
+      <p:sp>
+        <p:nvSpPr>
+          <p:cNvPr id="166" name="TextBox 73"/>
           <p:cNvSpPr txBox="1"/>
           <p:nvPr/>
         </p:nvSpPr>
         <p:spPr>
           <a:xfrm>
-            <a:off x="6456376" y="4878429"/>
-            <a:ext cx="3061843" cy="203201"/>
+            <a:off x="6403917" y="2668264"/>
+            <a:ext cx="3061844" cy="203201"/>
           </a:xfrm>
           <a:prstGeom prst="rect">
             <a:avLst/>
@@ -4869,7 +4819,7 @@
           </a:bodyPr>
           <a:lstStyle>
             <a:lvl1pPr algn="l" defTabSz="914400">
-              <a:defRPr b="0" sz="1400">
+              <a:defRPr sz="1400">
                 <a:solidFill>
                   <a:srgbClr val="E46C0A"/>
                 </a:solidFill>
@@ -4883,21 +4833,21 @@
           <a:p>
             <a:pPr/>
             <a:r>
-              <a:t>LoadCommand(ReadOnlyAddressBook)</a:t>
+              <a:t>LoadCommand(testbook.xml)</a:t>
             </a:r>
           </a:p>
         </p:txBody>
       </p:sp>
       <p:sp>
         <p:nvSpPr>
-          <p:cNvPr id="164" name="TextBox 25"/>
+          <p:cNvPr id="167" name="TextBox 25"/>
           <p:cNvSpPr txBox="1"/>
           <p:nvPr/>
         </p:nvSpPr>
         <p:spPr>
           <a:xfrm>
-            <a:off x="3546620" y="2244103"/>
-            <a:ext cx="1983819" cy="203201"/>
+            <a:off x="3546619" y="2244102"/>
+            <a:ext cx="1983820" cy="203201"/>
           </a:xfrm>
           <a:prstGeom prst="rect">
             <a:avLst/>
@@ -4917,7 +4867,7 @@
           </a:bodyPr>
           <a:lstStyle>
             <a:lvl1pPr algn="l" defTabSz="914400">
-              <a:defRPr b="0" sz="1400">
+              <a:defRPr sz="1400">
                 <a:solidFill>
                   <a:srgbClr val="0070C0"/>
                 </a:solidFill>
@@ -4938,14 +4888,14 @@
       </p:sp>
       <p:sp>
         <p:nvSpPr>
-          <p:cNvPr id="165" name="TextBox 28"/>
+          <p:cNvPr id="168" name="TextBox 28"/>
           <p:cNvSpPr txBox="1"/>
           <p:nvPr/>
         </p:nvSpPr>
         <p:spPr>
           <a:xfrm>
-            <a:off x="6516935" y="3642639"/>
-            <a:ext cx="2055743" cy="203201"/>
+            <a:off x="6433681" y="3412301"/>
+            <a:ext cx="1790068" cy="203201"/>
           </a:xfrm>
           <a:prstGeom prst="rect">
             <a:avLst/>
@@ -4965,7 +4915,7 @@
           </a:bodyPr>
           <a:lstStyle>
             <a:lvl1pPr algn="l" defTabSz="914400">
-              <a:defRPr b="0" sz="1400">
+              <a:defRPr sz="1400">
                 <a:solidFill>
                   <a:srgbClr val="7030A0"/>
                 </a:solidFill>
@@ -4979,25 +4929,28 @@
           <a:p>
             <a:pPr/>
             <a:r>
-              <a:t>XmlAddressBookStorage</a:t>
+              <a:t>LoadCommand</a:t>
             </a:r>
           </a:p>
         </p:txBody>
       </p:sp>
       <p:sp>
         <p:nvSpPr>
-          <p:cNvPr id="166" name="TextBox 28"/>
+          <p:cNvPr id="169" name="TextBox 28"/>
           <p:cNvSpPr txBox="1"/>
           <p:nvPr/>
         </p:nvSpPr>
         <p:spPr>
           <a:xfrm>
-            <a:off x="6649773" y="4429028"/>
-            <a:ext cx="1790067" cy="203201"/>
+            <a:off x="5275177" y="3982300"/>
+            <a:ext cx="1993269" cy="334797"/>
           </a:xfrm>
           <a:prstGeom prst="rect">
             <a:avLst/>
           </a:prstGeom>
+          <a:solidFill>
+            <a:srgbClr val="FFFFFF"/>
+          </a:solidFill>
           <a:ln w="12700">
             <a:miter lim="400000"/>
           </a:ln>
@@ -5012,40 +4965,39 @@
             <a:spAutoFit/>
           </a:bodyPr>
           <a:lstStyle>
-            <a:lvl1pPr algn="l" defTabSz="914400">
-              <a:defRPr b="0" sz="1400">
+            <a:lvl1pPr>
+              <a:defRPr sz="2200">
                 <a:solidFill>
-                  <a:srgbClr val="7030A0"/>
+                  <a:srgbClr val="EE230C"/>
                 </a:solidFill>
-                <a:latin typeface="Calibri"/>
-                <a:ea typeface="Calibri"/>
-                <a:cs typeface="Calibri"/>
-                <a:sym typeface="Calibri"/>
               </a:defRPr>
             </a:lvl1pPr>
           </a:lstStyle>
           <a:p>
             <a:pPr/>
             <a:r>
-              <a:t>ReadOnlyAddressBook</a:t>
+              <a:t>X</a:t>
             </a:r>
           </a:p>
         </p:txBody>
       </p:sp>
       <p:sp>
         <p:nvSpPr>
-          <p:cNvPr id="167" name="TextBox 28"/>
+          <p:cNvPr id="170" name="TextBox 28"/>
           <p:cNvSpPr txBox="1"/>
           <p:nvPr/>
         </p:nvSpPr>
         <p:spPr>
           <a:xfrm>
-            <a:off x="7122360" y="5456909"/>
-            <a:ext cx="1790067" cy="203201"/>
+            <a:off x="10804087" y="6207449"/>
+            <a:ext cx="292808" cy="334797"/>
           </a:xfrm>
           <a:prstGeom prst="rect">
             <a:avLst/>
           </a:prstGeom>
+          <a:solidFill>
+            <a:srgbClr val="FFFFFF"/>
+          </a:solidFill>
           <a:ln w="12700">
             <a:miter lim="400000"/>
           </a:ln>
@@ -5060,76 +5012,17 @@
             <a:spAutoFit/>
           </a:bodyPr>
           <a:lstStyle>
-            <a:lvl1pPr algn="l" defTabSz="914400">
-              <a:defRPr b="0" sz="1400">
+            <a:lvl1pPr>
+              <a:defRPr sz="2200">
                 <a:solidFill>
-                  <a:srgbClr val="7030A0"/>
+                  <a:srgbClr val="EE230C"/>
                 </a:solidFill>
-                <a:latin typeface="Calibri"/>
-                <a:ea typeface="Calibri"/>
-                <a:cs typeface="Calibri"/>
-                <a:sym typeface="Calibri"/>
               </a:defRPr>
             </a:lvl1pPr>
           </a:lstStyle>
           <a:p>
             <a:pPr/>
             <a:r>
-              <a:t>LoadCommand</a:t>
-            </a:r>
-          </a:p>
-        </p:txBody>
-      </p:sp>
-      <p:sp>
-        <p:nvSpPr>
-          <p:cNvPr id="168" name="TextBox 28"/>
-          <p:cNvSpPr txBox="1"/>
-          <p:nvPr/>
-        </p:nvSpPr>
-        <p:spPr>
-          <a:xfrm>
-            <a:off x="5306117" y="6195430"/>
-            <a:ext cx="1993268" cy="334797"/>
-          </a:xfrm>
-          <a:prstGeom prst="rect">
-            <a:avLst/>
-          </a:prstGeom>
-          <a:solidFill>
-            <a:srgbClr val="FFFFFF"/>
-          </a:solidFill>
-          <a:ln w="12700">
-            <a:miter lim="400000"/>
-          </a:ln>
-          <a:extLst>
-            <a:ext uri="{C572A759-6A51-4108-AA02-DFA0A04FC94B}">
-              <ma14:wrappingTextBoxFlag xmlns:ma14="http://schemas.microsoft.com/office/mac/drawingml/2011/main" val="1"/>
-            </a:ext>
-          </a:extLst>
-        </p:spPr>
-        <p:txBody>
-          <a:bodyPr lIns="0" tIns="0" rIns="0" bIns="0">
-            <a:spAutoFit/>
-          </a:bodyPr>
-          <a:lstStyle>
-            <a:lvl1pPr>
-              <a:defRPr b="0" sz="2200">
-                <a:solidFill>
-                  <a:schemeClr val="accent5">
-                    <a:hueOff val="-82419"/>
-                    <a:satOff val="-9513"/>
-                    <a:lumOff val="-16343"/>
-                  </a:schemeClr>
-                </a:solidFill>
-                <a:latin typeface="+mn-lt"/>
-                <a:ea typeface="+mn-ea"/>
-                <a:cs typeface="+mn-cs"/>
-                <a:sym typeface="Helvetica Neue Medium"/>
-              </a:defRPr>
-            </a:lvl1pPr>
-          </a:lstStyle>
-          <a:p>
-            <a:pPr/>
-            <a:r>
               <a:t>X</a:t>
             </a:r>
           </a:p>
@@ -5137,69 +5030,14 @@
       </p:sp>
       <p:sp>
         <p:nvSpPr>
-          <p:cNvPr id="169" name="TextBox 28"/>
-          <p:cNvSpPr txBox="1"/>
-          <p:nvPr/>
-        </p:nvSpPr>
-        <p:spPr>
-          <a:xfrm>
-            <a:off x="9484469" y="4754067"/>
-            <a:ext cx="292807" cy="334797"/>
-          </a:xfrm>
-          <a:prstGeom prst="rect">
-            <a:avLst/>
-          </a:prstGeom>
-          <a:solidFill>
-            <a:srgbClr val="FFFFFF"/>
-          </a:solidFill>
-          <a:ln w="12700">
-            <a:miter lim="400000"/>
-          </a:ln>
-          <a:extLst>
-            <a:ext uri="{C572A759-6A51-4108-AA02-DFA0A04FC94B}">
-              <ma14:wrappingTextBoxFlag xmlns:ma14="http://schemas.microsoft.com/office/mac/drawingml/2011/main" val="1"/>
-            </a:ext>
-          </a:extLst>
-        </p:spPr>
-        <p:txBody>
-          <a:bodyPr lIns="0" tIns="0" rIns="0" bIns="0">
-            <a:spAutoFit/>
-          </a:bodyPr>
-          <a:lstStyle>
-            <a:lvl1pPr>
-              <a:defRPr b="0" sz="2200">
-                <a:solidFill>
-                  <a:schemeClr val="accent5">
-                    <a:hueOff val="-82419"/>
-                    <a:satOff val="-9513"/>
-                    <a:lumOff val="-16343"/>
-                  </a:schemeClr>
-                </a:solidFill>
-                <a:latin typeface="+mn-lt"/>
-                <a:ea typeface="+mn-ea"/>
-                <a:cs typeface="+mn-cs"/>
-                <a:sym typeface="Helvetica Neue Medium"/>
-              </a:defRPr>
-            </a:lvl1pPr>
-          </a:lstStyle>
-          <a:p>
-            <a:pPr/>
-            <a:r>
-              <a:t>X</a:t>
-            </a:r>
-          </a:p>
-        </p:txBody>
-      </p:sp>
-      <p:sp>
-        <p:nvSpPr>
-          <p:cNvPr id="170" name="Straight Arrow Connector 33"/>
+          <p:cNvPr id="171" name="Straight Arrow Connector 33"/>
           <p:cNvSpPr/>
           <p:nvPr/>
         </p:nvSpPr>
         <p:spPr>
           <a:xfrm>
-            <a:off x="3364470" y="6001851"/>
-            <a:ext cx="2828756" cy="1"/>
+            <a:off x="3406366" y="3802348"/>
+            <a:ext cx="2828757" cy="2"/>
           </a:xfrm>
           <a:prstGeom prst="line">
             <a:avLst/>
@@ -5213,11 +5051,71 @@
           </a:ln>
         </p:spPr>
         <p:txBody>
-          <a:bodyPr lIns="45719" rIns="45719"/>
+          <a:bodyPr lIns="45718" tIns="45718" rIns="45718" bIns="45718"/>
           <a:lstStyle/>
           <a:p>
-            <a:pPr algn="l" defTabSz="914400">
-              <a:defRPr b="0" sz="1800">
+            <a:pPr/>
+          </a:p>
+        </p:txBody>
+      </p:sp>
+      <p:sp>
+        <p:nvSpPr>
+          <p:cNvPr id="172" name="Straight Arrow Connector 27"/>
+          <p:cNvSpPr/>
+          <p:nvPr/>
+        </p:nvSpPr>
+        <p:spPr>
+          <a:xfrm>
+            <a:off x="3394659" y="4390408"/>
+            <a:ext cx="4419769" cy="1"/>
+          </a:xfrm>
+          <a:prstGeom prst="line">
+            <a:avLst/>
+          </a:prstGeom>
+          <a:ln w="19050">
+            <a:solidFill>
+              <a:srgbClr val="0070C0"/>
+            </a:solidFill>
+            <a:tailEnd type="triangle"/>
+          </a:ln>
+        </p:spPr>
+        <p:txBody>
+          <a:bodyPr lIns="45718" tIns="45718" rIns="45718" bIns="45718"/>
+          <a:lstStyle/>
+          <a:p>
+            <a:pPr/>
+          </a:p>
+        </p:txBody>
+      </p:sp>
+      <p:sp>
+        <p:nvSpPr>
+          <p:cNvPr id="173" name="Rectangle 54"/>
+          <p:cNvSpPr/>
+          <p:nvPr/>
+        </p:nvSpPr>
+        <p:spPr>
+          <a:xfrm>
+            <a:off x="7802897" y="4359674"/>
+            <a:ext cx="124480" cy="3647500"/>
+          </a:xfrm>
+          <a:prstGeom prst="rect">
+            <a:avLst/>
+          </a:prstGeom>
+          <a:solidFill>
+            <a:srgbClr val="E46C0A"/>
+          </a:solidFill>
+          <a:ln>
+            <a:solidFill>
+              <a:srgbClr val="E46C0A"/>
+            </a:solidFill>
+          </a:ln>
+        </p:spPr>
+        <p:txBody>
+          <a:bodyPr lIns="50800" tIns="50800" rIns="50800" bIns="50800" anchor="ctr"/>
+          <a:lstStyle/>
+          <a:p>
+            <a:pPr defTabSz="914400">
+              <a:defRPr sz="1400">
                 <a:latin typeface="Calibri"/>
                 <a:ea typeface="Calibri"/>
                 <a:cs typeface="Calibri"/>
@@ -5229,88 +5127,14 @@
       </p:sp>
       <p:sp>
         <p:nvSpPr>
-          <p:cNvPr id="171" name="Straight Arrow Connector 27"/>
-          <p:cNvSpPr/>
-          <p:nvPr/>
-        </p:nvSpPr>
-        <p:spPr>
-          <a:xfrm>
-            <a:off x="3337060" y="6554621"/>
-            <a:ext cx="7239563" cy="1"/>
-          </a:xfrm>
-          <a:prstGeom prst="line">
-            <a:avLst/>
-          </a:prstGeom>
-          <a:ln w="19050">
-            <a:solidFill>
-              <a:srgbClr val="0070C0"/>
-            </a:solidFill>
-            <a:tailEnd type="triangle"/>
-          </a:ln>
-        </p:spPr>
-        <p:txBody>
-          <a:bodyPr lIns="45719" rIns="45719"/>
-          <a:lstStyle/>
-          <a:p>
-            <a:pPr algn="l" defTabSz="914400">
-              <a:defRPr b="0" sz="1800">
-                <a:latin typeface="Calibri"/>
-                <a:ea typeface="Calibri"/>
-                <a:cs typeface="Calibri"/>
-                <a:sym typeface="Calibri"/>
-              </a:defRPr>
-            </a:pPr>
-          </a:p>
-        </p:txBody>
-      </p:sp>
-      <p:sp>
-        <p:nvSpPr>
-          <p:cNvPr id="172" name="Rectangle 54"/>
-          <p:cNvSpPr/>
-          <p:nvPr/>
-        </p:nvSpPr>
-        <p:spPr>
-          <a:xfrm>
-            <a:off x="10546459" y="6564717"/>
-            <a:ext cx="156230" cy="1036758"/>
-          </a:xfrm>
-          <a:prstGeom prst="rect">
-            <a:avLst/>
-          </a:prstGeom>
-          <a:solidFill>
-            <a:srgbClr val="E46C0A"/>
-          </a:solidFill>
-          <a:ln>
-            <a:solidFill>
-              <a:srgbClr val="E46C0A"/>
-            </a:solidFill>
-          </a:ln>
-        </p:spPr>
-        <p:txBody>
-          <a:bodyPr lIns="45719" rIns="45719" anchor="ctr"/>
-          <a:lstStyle/>
-          <a:p>
-            <a:pPr defTabSz="914400">
-              <a:defRPr b="0" sz="1400">
-                <a:latin typeface="Calibri"/>
-                <a:ea typeface="Calibri"/>
-                <a:cs typeface="Calibri"/>
-                <a:sym typeface="Calibri"/>
-              </a:defRPr>
-            </a:pPr>
-          </a:p>
-        </p:txBody>
-      </p:sp>
-      <p:sp>
-        <p:nvSpPr>
-          <p:cNvPr id="173" name="TextBox 73"/>
+          <p:cNvPr id="174" name="TextBox 73"/>
           <p:cNvSpPr txBox="1"/>
           <p:nvPr/>
         </p:nvSpPr>
         <p:spPr>
           <a:xfrm>
-            <a:off x="6713162" y="6337266"/>
-            <a:ext cx="3061843" cy="203201"/>
+            <a:off x="3596438" y="4163599"/>
+            <a:ext cx="3061844" cy="203201"/>
           </a:xfrm>
           <a:prstGeom prst="rect">
             <a:avLst/>
@@ -5330,7 +5154,7 @@
           </a:bodyPr>
           <a:lstStyle>
             <a:lvl1pPr algn="l" defTabSz="914400">
-              <a:defRPr b="0" sz="1400">
+              <a:defRPr sz="1400">
                 <a:solidFill>
                   <a:srgbClr val="E46C0A"/>
                 </a:solidFill>
@@ -5349,22 +5173,347 @@
           </a:p>
         </p:txBody>
       </p:sp>
-      <p:sp>
-        <p:nvSpPr>
-          <p:cNvPr id="174" name="Rectangle 62"/>
+      <p:grpSp>
+        <p:nvGrpSpPr>
+          <p:cNvPr id="177" name="Rectangle 62"/>
+          <p:cNvGrpSpPr/>
+          <p:nvPr/>
+        </p:nvGrpSpPr>
+        <p:grpSpPr>
+          <a:xfrm>
+            <a:off x="11419734" y="5457993"/>
+            <a:ext cx="1602135" cy="354320"/>
+            <a:chOff x="0" y="0"/>
+            <a:chExt cx="1602134" cy="354319"/>
+          </a:xfrm>
+        </p:grpSpPr>
+        <p:sp>
+          <p:nvSpPr>
+            <p:cNvPr id="175" name="Rectangle"/>
+            <p:cNvSpPr/>
+            <p:nvPr/>
+          </p:nvSpPr>
+          <p:spPr>
+            <a:xfrm>
+              <a:off x="-1" y="0"/>
+              <a:ext cx="1602136" cy="354320"/>
+            </a:xfrm>
+            <a:prstGeom prst="rect">
+              <a:avLst/>
+            </a:prstGeom>
+            <a:solidFill>
+              <a:srgbClr val="000000"/>
+            </a:solidFill>
+            <a:ln w="12700" cap="flat">
+              <a:noFill/>
+              <a:miter lim="400000"/>
+            </a:ln>
+            <a:effectLst/>
+          </p:spPr>
+          <p:txBody>
+            <a:bodyPr wrap="square" lIns="50800" tIns="50800" rIns="50800" bIns="50800" numCol="1" anchor="ctr">
+              <a:noAutofit/>
+            </a:bodyPr>
+            <a:lstStyle/>
+            <a:p>
+              <a:pPr>
+                <a:defRPr sz="1200">
+                  <a:solidFill>
+                    <a:srgbClr val="FFFFFF"/>
+                  </a:solidFill>
+                </a:defRPr>
+              </a:pPr>
+            </a:p>
+          </p:txBody>
+        </p:sp>
+        <p:sp>
+          <p:nvSpPr>
+            <p:cNvPr id="176" name=":ReadOnlyAddressBook"/>
+            <p:cNvSpPr txBox="1"/>
+            <p:nvPr/>
+          </p:nvSpPr>
+          <p:spPr>
+            <a:xfrm>
+              <a:off x="-1" y="70598"/>
+              <a:ext cx="1602136" cy="213124"/>
+            </a:xfrm>
+            <a:prstGeom prst="rect">
+              <a:avLst/>
+            </a:prstGeom>
+            <a:noFill/>
+            <a:ln w="12700" cap="flat">
+              <a:noFill/>
+              <a:miter lim="400000"/>
+            </a:ln>
+            <a:effectLst/>
+            <a:extLst>
+              <a:ext uri="{C572A759-6A51-4108-AA02-DFA0A04FC94B}">
+                <ma14:wrappingTextBoxFlag xmlns:ma14="http://schemas.microsoft.com/office/mac/drawingml/2011/main" val="1"/>
+              </a:ext>
+            </a:extLst>
+          </p:spPr>
+          <p:txBody>
+            <a:bodyPr wrap="square" lIns="45718" tIns="45718" rIns="45718" bIns="45718" numCol="1" anchor="ctr">
+              <a:noAutofit/>
+            </a:bodyPr>
+            <a:lstStyle>
+              <a:lvl1pPr>
+                <a:defRPr sz="1000">
+                  <a:solidFill>
+                    <a:srgbClr val="FFFFFF"/>
+                  </a:solidFill>
+                </a:defRPr>
+              </a:lvl1pPr>
+            </a:lstStyle>
+            <a:p>
+              <a:pPr/>
+              <a:r>
+                <a:t>:ReadOnlyAddressBook</a:t>
+              </a:r>
+            </a:p>
+          </p:txBody>
+        </p:sp>
+      </p:grpSp>
+      <p:sp>
+        <p:nvSpPr>
+          <p:cNvPr id="178" name="Straight Connector 39"/>
+          <p:cNvSpPr/>
+          <p:nvPr/>
+        </p:nvSpPr>
+        <p:spPr>
+          <a:xfrm>
+            <a:off x="12202662" y="5984440"/>
+            <a:ext cx="1" cy="2036511"/>
+          </a:xfrm>
+          <a:prstGeom prst="line">
+            <a:avLst/>
+          </a:prstGeom>
+          <a:ln w="38100">
+            <a:solidFill>
+              <a:srgbClr val="000000"/>
+            </a:solidFill>
+            <a:custDash>
+              <a:ds d="200000" sp="200000"/>
+            </a:custDash>
+            <a:miter lim="400000"/>
+          </a:ln>
+        </p:spPr>
+        <p:txBody>
+          <a:bodyPr lIns="45718" tIns="45718" rIns="45718" bIns="45718"/>
+          <a:lstStyle/>
+          <a:p>
+            <a:pPr/>
+          </a:p>
+        </p:txBody>
+      </p:sp>
+      <p:grpSp>
+        <p:nvGrpSpPr>
+          <p:cNvPr id="181" name="Read persons from the address book and add to model"/>
+          <p:cNvGrpSpPr/>
+          <p:nvPr/>
+        </p:nvGrpSpPr>
+        <p:grpSpPr>
+          <a:xfrm>
+            <a:off x="7682500" y="6719542"/>
+            <a:ext cx="4621075" cy="990242"/>
+            <a:chOff x="0" y="0"/>
+            <a:chExt cx="4621074" cy="990241"/>
+          </a:xfrm>
+        </p:grpSpPr>
+        <p:sp>
+          <p:nvSpPr>
+            <p:cNvPr id="179" name="Rectangle"/>
+            <p:cNvSpPr/>
+            <p:nvPr/>
+          </p:nvSpPr>
+          <p:spPr>
+            <a:xfrm>
+              <a:off x="0" y="0"/>
+              <a:ext cx="4621075" cy="990242"/>
+            </a:xfrm>
+            <a:prstGeom prst="rect">
+              <a:avLst/>
+            </a:prstGeom>
+            <a:solidFill>
+              <a:srgbClr val="FFFFFF"/>
+            </a:solidFill>
+            <a:ln w="12700" cap="flat">
+              <a:solidFill>
+                <a:srgbClr val="000000"/>
+              </a:solidFill>
+              <a:prstDash val="solid"/>
+              <a:miter lim="400000"/>
+            </a:ln>
+            <a:effectLst/>
+          </p:spPr>
+          <p:txBody>
+            <a:bodyPr wrap="square" lIns="50800" tIns="50800" rIns="50800" bIns="50800" numCol="1" anchor="ctr">
+              <a:noAutofit/>
+            </a:bodyPr>
+            <a:lstStyle/>
+            <a:p>
+              <a:pPr>
+                <a:defRPr sz="1300"/>
+              </a:pPr>
+            </a:p>
+          </p:txBody>
+        </p:sp>
+        <p:sp>
+          <p:nvSpPr>
+            <p:cNvPr id="180" name="Read persons from the address book and add to model"/>
+            <p:cNvSpPr txBox="1"/>
+            <p:nvPr/>
+          </p:nvSpPr>
+          <p:spPr>
+            <a:xfrm>
+              <a:off x="0" y="115386"/>
+              <a:ext cx="4621075" cy="759470"/>
+            </a:xfrm>
+            <a:prstGeom prst="rect">
+              <a:avLst/>
+            </a:prstGeom>
+            <a:noFill/>
+            <a:ln w="12700" cap="flat">
+              <a:noFill/>
+              <a:miter lim="400000"/>
+            </a:ln>
+            <a:effectLst/>
+            <a:extLst>
+              <a:ext uri="{C572A759-6A51-4108-AA02-DFA0A04FC94B}">
+                <ma14:wrappingTextBoxFlag xmlns:ma14="http://schemas.microsoft.com/office/mac/drawingml/2011/main" val="1"/>
+              </a:ext>
+            </a:extLst>
+          </p:spPr>
+          <p:txBody>
+            <a:bodyPr wrap="square" lIns="50800" tIns="50800" rIns="50800" bIns="50800" numCol="1" anchor="ctr">
+              <a:noAutofit/>
+            </a:bodyPr>
+            <a:lstStyle>
+              <a:lvl1pPr>
+                <a:defRPr sz="1300"/>
+              </a:lvl1pPr>
+            </a:lstStyle>
+            <a:p>
+              <a:pPr/>
+              <a:r>
+                <a:t>         Read persons from the address book and add to model</a:t>
+              </a:r>
+            </a:p>
+          </p:txBody>
+        </p:sp>
+      </p:grpSp>
+      <p:grpSp>
+        <p:nvGrpSpPr>
+          <p:cNvPr id="184" name="ref"/>
+          <p:cNvGrpSpPr/>
+          <p:nvPr/>
+        </p:nvGrpSpPr>
+        <p:grpSpPr>
+          <a:xfrm>
+            <a:off x="7679801" y="6715097"/>
+            <a:ext cx="485011" cy="337007"/>
+            <a:chOff x="0" y="0"/>
+            <a:chExt cx="485010" cy="337005"/>
+          </a:xfrm>
+        </p:grpSpPr>
+        <p:sp>
+          <p:nvSpPr>
+            <p:cNvPr id="182" name="Rectangle"/>
+            <p:cNvSpPr/>
+            <p:nvPr/>
+          </p:nvSpPr>
+          <p:spPr>
+            <a:xfrm>
+              <a:off x="0" y="1472"/>
+              <a:ext cx="485011" cy="334062"/>
+            </a:xfrm>
+            <a:prstGeom prst="rect">
+              <a:avLst/>
+            </a:prstGeom>
+            <a:solidFill>
+              <a:srgbClr val="D6D5D5"/>
+            </a:solidFill>
+            <a:ln w="12700" cap="flat">
+              <a:solidFill>
+                <a:srgbClr val="000000"/>
+              </a:solidFill>
+              <a:prstDash val="solid"/>
+              <a:miter lim="400000"/>
+            </a:ln>
+            <a:effectLst/>
+          </p:spPr>
+          <p:txBody>
+            <a:bodyPr wrap="square" lIns="50800" tIns="50800" rIns="50800" bIns="50800" numCol="1" anchor="ctr">
+              <a:noAutofit/>
+            </a:bodyPr>
+            <a:lstStyle/>
+            <a:p>
+              <a:pPr>
+                <a:defRPr sz="1600"/>
+              </a:pPr>
+            </a:p>
+          </p:txBody>
+        </p:sp>
+        <p:sp>
+          <p:nvSpPr>
+            <p:cNvPr id="183" name="ref"/>
+            <p:cNvSpPr txBox="1"/>
+            <p:nvPr/>
+          </p:nvSpPr>
+          <p:spPr>
+            <a:xfrm>
+              <a:off x="0" y="0"/>
+              <a:ext cx="485011" cy="337006"/>
+            </a:xfrm>
+            <a:prstGeom prst="rect">
+              <a:avLst/>
+            </a:prstGeom>
+            <a:noFill/>
+            <a:ln w="12700" cap="flat">
+              <a:noFill/>
+              <a:miter lim="400000"/>
+            </a:ln>
+            <a:effectLst/>
+            <a:extLst>
+              <a:ext uri="{C572A759-6A51-4108-AA02-DFA0A04FC94B}">
+                <ma14:wrappingTextBoxFlag xmlns:ma14="http://schemas.microsoft.com/office/mac/drawingml/2011/main" val="1"/>
+              </a:ext>
+            </a:extLst>
+          </p:spPr>
+          <p:txBody>
+            <a:bodyPr wrap="square" lIns="50800" tIns="50800" rIns="50800" bIns="50800" numCol="1" anchor="ctr">
+              <a:spAutoFit/>
+            </a:bodyPr>
+            <a:lstStyle>
+              <a:lvl1pPr>
+                <a:defRPr sz="1600"/>
+              </a:lvl1pPr>
+            </a:lstStyle>
+            <a:p>
+              <a:pPr/>
+              <a:r>
+                <a:t>ref</a:t>
+              </a:r>
+            </a:p>
+          </p:txBody>
+        </p:sp>
+      </p:grpSp>
+      <p:sp>
+        <p:nvSpPr>
+          <p:cNvPr id="185" name="TextBox 28"/>
           <p:cNvSpPr txBox="1"/>
           <p:nvPr/>
         </p:nvSpPr>
         <p:spPr>
           <a:xfrm>
-            <a:off x="11148199" y="4010682"/>
-            <a:ext cx="1805332" cy="399258"/>
+            <a:off x="7708600" y="8259171"/>
+            <a:ext cx="292808" cy="334797"/>
           </a:xfrm>
           <a:prstGeom prst="rect">
             <a:avLst/>
           </a:prstGeom>
           <a:solidFill>
-            <a:srgbClr val="000000"/>
+            <a:srgbClr val="FFFFFF"/>
           </a:solidFill>
           <a:ln w="12700">
             <a:miter lim="400000"/>
@@ -5376,77 +5525,66 @@
           </a:extLst>
         </p:spPr>
         <p:txBody>
-          <a:bodyPr lIns="45719" rIns="45719" anchor="ctr"/>
+          <a:bodyPr lIns="0" tIns="0" rIns="0" bIns="0">
+            <a:spAutoFit/>
+          </a:bodyPr>
           <a:lstStyle>
             <a:lvl1pPr>
-              <a:defRPr b="0" sz="1200">
+              <a:defRPr sz="2200">
                 <a:solidFill>
-                  <a:srgbClr val="FFFFFF"/>
+                  <a:srgbClr val="EE230C"/>
                 </a:solidFill>
-                <a:latin typeface="+mn-lt"/>
-                <a:ea typeface="+mn-ea"/>
-                <a:cs typeface="+mn-cs"/>
-                <a:sym typeface="Helvetica Neue Medium"/>
               </a:defRPr>
             </a:lvl1pPr>
           </a:lstStyle>
           <a:p>
             <a:pPr/>
             <a:r>
-              <a:t>:ReadOnlyAddressBook</a:t>
+              <a:t>X</a:t>
             </a:r>
           </a:p>
         </p:txBody>
       </p:sp>
       <p:sp>
         <p:nvSpPr>
-          <p:cNvPr id="175" name="Straight Connector 39"/>
+          <p:cNvPr id="186" name="Straight Arrow Connector 62"/>
           <p:cNvSpPr/>
           <p:nvPr/>
         </p:nvSpPr>
         <p:spPr>
+          <a:xfrm flipH="1">
+            <a:off x="6440692" y="3659490"/>
+            <a:ext cx="1275612" cy="1"/>
+          </a:xfrm>
+          <a:prstGeom prst="line">
+            <a:avLst/>
+          </a:prstGeom>
+          <a:ln w="19050">
+            <a:solidFill>
+              <a:srgbClr val="E46C0A"/>
+            </a:solidFill>
+            <a:prstDash val="sysDash"/>
+            <a:tailEnd type="triangle"/>
+          </a:ln>
+        </p:spPr>
+        <p:txBody>
+          <a:bodyPr lIns="45718" tIns="45718" rIns="45718" bIns="45718"/>
+          <a:lstStyle/>
+          <a:p>
+            <a:pPr/>
+          </a:p>
+        </p:txBody>
+      </p:sp>
+      <p:sp>
+        <p:nvSpPr>
+          <p:cNvPr id="187" name="TextBox 28"/>
+          <p:cNvSpPr txBox="1"/>
+          <p:nvPr/>
+        </p:nvSpPr>
+        <p:spPr>
           <a:xfrm>
-            <a:off x="12050864" y="4246646"/>
-            <a:ext cx="1" cy="3529795"/>
-          </a:xfrm>
-          <a:prstGeom prst="line">
-            <a:avLst/>
-          </a:prstGeom>
-          <a:ln w="38100">
-            <a:solidFill>
-              <a:srgbClr val="000000"/>
-            </a:solidFill>
-            <a:custDash>
-              <a:ds d="200000" sp="200000"/>
-            </a:custDash>
-            <a:miter lim="400000"/>
-          </a:ln>
-        </p:spPr>
-        <p:txBody>
-          <a:bodyPr lIns="45719" rIns="45719"/>
-          <a:lstStyle/>
-          <a:p>
-            <a:pPr algn="l" defTabSz="914400">
-              <a:defRPr b="0" sz="1800">
-                <a:latin typeface="Calibri"/>
-                <a:ea typeface="Calibri"/>
-                <a:cs typeface="Calibri"/>
-                <a:sym typeface="Calibri"/>
-              </a:defRPr>
-            </a:pPr>
-          </a:p>
-        </p:txBody>
-      </p:sp>
-      <p:sp>
-        <p:nvSpPr>
-          <p:cNvPr id="176" name="Read persons from the address book and add to model"/>
-          <p:cNvSpPr/>
-          <p:nvPr/>
-        </p:nvSpPr>
-        <p:spPr>
-          <a:xfrm>
-            <a:off x="9768654" y="6710525"/>
-            <a:ext cx="3061843" cy="656117"/>
+            <a:off x="12056258" y="7916668"/>
+            <a:ext cx="292808" cy="334797"/>
           </a:xfrm>
           <a:prstGeom prst="rect">
             <a:avLst/>
@@ -5455,9 +5593,6 @@
             <a:srgbClr val="FFFFFF"/>
           </a:solidFill>
           <a:ln w="12700">
-            <a:solidFill>
-              <a:srgbClr val="000000"/>
-            </a:solidFill>
             <a:miter lim="400000"/>
           </a:ln>
           <a:extLst>
@@ -5467,46 +5602,71 @@
           </a:extLst>
         </p:spPr>
         <p:txBody>
-          <a:bodyPr lIns="50800" tIns="50800" rIns="50800" bIns="50800" anchor="ctr"/>
+          <a:bodyPr lIns="0" tIns="0" rIns="0" bIns="0">
+            <a:spAutoFit/>
+          </a:bodyPr>
           <a:lstStyle>
             <a:lvl1pPr>
-              <a:defRPr b="0" sz="1300">
-                <a:latin typeface="+mn-lt"/>
-                <a:ea typeface="+mn-ea"/>
-                <a:cs typeface="+mn-cs"/>
-                <a:sym typeface="Helvetica Neue Medium"/>
+              <a:defRPr sz="2200">
+                <a:solidFill>
+                  <a:srgbClr val="EE230C"/>
+                </a:solidFill>
               </a:defRPr>
             </a:lvl1pPr>
           </a:lstStyle>
           <a:p>
             <a:pPr/>
             <a:r>
-              <a:t>         Read persons from the address book and add to model</a:t>
+              <a:t>X</a:t>
             </a:r>
           </a:p>
         </p:txBody>
       </p:sp>
       <p:sp>
         <p:nvSpPr>
-          <p:cNvPr id="177" name="ref"/>
+          <p:cNvPr id="188" name="Straight Arrow Connector 34"/>
           <p:cNvSpPr/>
           <p:nvPr/>
         </p:nvSpPr>
         <p:spPr>
           <a:xfrm>
-            <a:off x="9781354" y="6710525"/>
-            <a:ext cx="485011" cy="334061"/>
+            <a:off x="1082413" y="8084067"/>
+            <a:ext cx="2125938" cy="2"/>
+          </a:xfrm>
+          <a:prstGeom prst="line">
+            <a:avLst/>
+          </a:prstGeom>
+          <a:ln w="19050">
+            <a:solidFill>
+              <a:srgbClr val="0070C0"/>
+            </a:solidFill>
+            <a:prstDash val="sysDash"/>
+            <a:headEnd type="triangle"/>
+          </a:ln>
+        </p:spPr>
+        <p:txBody>
+          <a:bodyPr lIns="45718" tIns="45718" rIns="45718" bIns="45718"/>
+          <a:lstStyle/>
+          <a:p>
+            <a:pPr/>
+          </a:p>
+        </p:txBody>
+      </p:sp>
+      <p:sp>
+        <p:nvSpPr>
+          <p:cNvPr id="189" name="TextBox 25"/>
+          <p:cNvSpPr txBox="1"/>
+          <p:nvPr/>
+        </p:nvSpPr>
+        <p:spPr>
+          <a:xfrm>
+            <a:off x="3962839" y="7717424"/>
+            <a:ext cx="1983820" cy="203201"/>
           </a:xfrm>
           <a:prstGeom prst="rect">
             <a:avLst/>
           </a:prstGeom>
-          <a:solidFill>
-            <a:srgbClr val="D6D5D5"/>
-          </a:solidFill>
           <a:ln w="12700">
-            <a:solidFill>
-              <a:srgbClr val="000000"/>
-            </a:solidFill>
             <a:miter lim="400000"/>
           </a:ln>
           <a:extLst>
@@ -5516,239 +5676,12 @@
           </a:extLst>
         </p:spPr>
         <p:txBody>
-          <a:bodyPr lIns="50800" tIns="50800" rIns="50800" bIns="50800" anchor="ctr"/>
-          <a:lstStyle>
-            <a:lvl1pPr>
-              <a:defRPr b="0" sz="1600">
-                <a:latin typeface="+mn-lt"/>
-                <a:ea typeface="+mn-ea"/>
-                <a:cs typeface="+mn-cs"/>
-                <a:sym typeface="Helvetica Neue Medium"/>
-              </a:defRPr>
-            </a:lvl1pPr>
-          </a:lstStyle>
-          <a:p>
-            <a:pPr/>
-            <a:r>
-              <a:t>ref</a:t>
-            </a:r>
-          </a:p>
-        </p:txBody>
-      </p:sp>
-      <p:sp>
-        <p:nvSpPr>
-          <p:cNvPr id="178" name="TextBox 28"/>
-          <p:cNvSpPr txBox="1"/>
-          <p:nvPr/>
-        </p:nvSpPr>
-        <p:spPr>
-          <a:xfrm>
-            <a:off x="11904461" y="7681331"/>
-            <a:ext cx="292807" cy="334796"/>
-          </a:xfrm>
-          <a:prstGeom prst="rect">
-            <a:avLst/>
-          </a:prstGeom>
-          <a:solidFill>
-            <a:srgbClr val="FFFFFF"/>
-          </a:solidFill>
-          <a:ln w="12700">
-            <a:miter lim="400000"/>
-          </a:ln>
-          <a:extLst>
-            <a:ext uri="{C572A759-6A51-4108-AA02-DFA0A04FC94B}">
-              <ma14:wrappingTextBoxFlag xmlns:ma14="http://schemas.microsoft.com/office/mac/drawingml/2011/main" val="1"/>
-            </a:ext>
-          </a:extLst>
-        </p:spPr>
-        <p:txBody>
-          <a:bodyPr lIns="0" tIns="0" rIns="0" bIns="0">
-            <a:spAutoFit/>
-          </a:bodyPr>
-          <a:lstStyle>
-            <a:lvl1pPr>
-              <a:defRPr b="0" sz="2200">
-                <a:solidFill>
-                  <a:schemeClr val="accent5">
-                    <a:hueOff val="-82419"/>
-                    <a:satOff val="-9513"/>
-                    <a:lumOff val="-16343"/>
-                  </a:schemeClr>
-                </a:solidFill>
-                <a:latin typeface="+mn-lt"/>
-                <a:ea typeface="+mn-ea"/>
-                <a:cs typeface="+mn-cs"/>
-                <a:sym typeface="Helvetica Neue Medium"/>
-              </a:defRPr>
-            </a:lvl1pPr>
-          </a:lstStyle>
-          <a:p>
-            <a:pPr/>
-            <a:r>
-              <a:t>X</a:t>
-            </a:r>
-          </a:p>
-        </p:txBody>
-      </p:sp>
-      <p:sp>
-        <p:nvSpPr>
-          <p:cNvPr id="179" name="Straight Arrow Connector 62"/>
-          <p:cNvSpPr/>
-          <p:nvPr/>
-        </p:nvSpPr>
-        <p:spPr>
-          <a:xfrm flipH="1" flipV="1">
-            <a:off x="3363497" y="7601932"/>
-            <a:ext cx="7215030" cy="1"/>
-          </a:xfrm>
-          <a:prstGeom prst="line">
-            <a:avLst/>
-          </a:prstGeom>
-          <a:ln w="19050">
-            <a:solidFill>
-              <a:srgbClr val="E46C0A"/>
-            </a:solidFill>
-            <a:prstDash val="sysDash"/>
-            <a:tailEnd type="triangle"/>
-          </a:ln>
-        </p:spPr>
-        <p:txBody>
-          <a:bodyPr lIns="45719" rIns="45719"/>
-          <a:lstStyle/>
-          <a:p>
-            <a:pPr algn="l" defTabSz="914400">
-              <a:defRPr b="0" sz="1800">
-                <a:latin typeface="Calibri"/>
-                <a:ea typeface="Calibri"/>
-                <a:cs typeface="Calibri"/>
-                <a:sym typeface="Calibri"/>
-              </a:defRPr>
-            </a:pPr>
-          </a:p>
-        </p:txBody>
-      </p:sp>
-      <p:sp>
-        <p:nvSpPr>
-          <p:cNvPr id="180" name="TextBox 28"/>
-          <p:cNvSpPr txBox="1"/>
-          <p:nvPr/>
-        </p:nvSpPr>
-        <p:spPr>
-          <a:xfrm>
-            <a:off x="10478170" y="7830873"/>
-            <a:ext cx="292807" cy="334797"/>
-          </a:xfrm>
-          <a:prstGeom prst="rect">
-            <a:avLst/>
-          </a:prstGeom>
-          <a:solidFill>
-            <a:srgbClr val="FFFFFF"/>
-          </a:solidFill>
-          <a:ln w="12700">
-            <a:miter lim="400000"/>
-          </a:ln>
-          <a:extLst>
-            <a:ext uri="{C572A759-6A51-4108-AA02-DFA0A04FC94B}">
-              <ma14:wrappingTextBoxFlag xmlns:ma14="http://schemas.microsoft.com/office/mac/drawingml/2011/main" val="1"/>
-            </a:ext>
-          </a:extLst>
-        </p:spPr>
-        <p:txBody>
-          <a:bodyPr lIns="0" tIns="0" rIns="0" bIns="0">
-            <a:spAutoFit/>
-          </a:bodyPr>
-          <a:lstStyle>
-            <a:lvl1pPr>
-              <a:defRPr b="0" sz="2200">
-                <a:solidFill>
-                  <a:schemeClr val="accent5">
-                    <a:hueOff val="-82419"/>
-                    <a:satOff val="-9513"/>
-                    <a:lumOff val="-16343"/>
-                  </a:schemeClr>
-                </a:solidFill>
-                <a:latin typeface="+mn-lt"/>
-                <a:ea typeface="+mn-ea"/>
-                <a:cs typeface="+mn-cs"/>
-                <a:sym typeface="Helvetica Neue Medium"/>
-              </a:defRPr>
-            </a:lvl1pPr>
-          </a:lstStyle>
-          <a:p>
-            <a:pPr/>
-            <a:r>
-              <a:t>X</a:t>
-            </a:r>
-          </a:p>
-        </p:txBody>
-      </p:sp>
-      <p:sp>
-        <p:nvSpPr>
-          <p:cNvPr id="181" name="Straight Arrow Connector 34"/>
-          <p:cNvSpPr/>
-          <p:nvPr/>
-        </p:nvSpPr>
-        <p:spPr>
-          <a:xfrm>
-            <a:off x="1082414" y="8084067"/>
-            <a:ext cx="2125937" cy="1"/>
-          </a:xfrm>
-          <a:prstGeom prst="line">
-            <a:avLst/>
-          </a:prstGeom>
-          <a:ln w="19050">
-            <a:solidFill>
-              <a:srgbClr val="0070C0"/>
-            </a:solidFill>
-            <a:prstDash val="sysDash"/>
-            <a:headEnd type="triangle"/>
-          </a:ln>
-        </p:spPr>
-        <p:txBody>
-          <a:bodyPr lIns="45719" rIns="45719"/>
-          <a:lstStyle/>
-          <a:p>
-            <a:pPr algn="l" defTabSz="914400">
-              <a:defRPr b="0" sz="1800">
-                <a:latin typeface="Calibri"/>
-                <a:ea typeface="Calibri"/>
-                <a:cs typeface="Calibri"/>
-                <a:sym typeface="Calibri"/>
-              </a:defRPr>
-            </a:pPr>
-          </a:p>
-        </p:txBody>
-      </p:sp>
-      <p:sp>
-        <p:nvSpPr>
-          <p:cNvPr id="182" name="TextBox 25"/>
-          <p:cNvSpPr txBox="1"/>
-          <p:nvPr/>
-        </p:nvSpPr>
-        <p:spPr>
-          <a:xfrm>
-            <a:off x="5108720" y="7327927"/>
-            <a:ext cx="1983819" cy="203201"/>
-          </a:xfrm>
-          <a:prstGeom prst="rect">
-            <a:avLst/>
-          </a:prstGeom>
-          <a:ln w="12700">
-            <a:miter lim="400000"/>
-          </a:ln>
-          <a:extLst>
-            <a:ext uri="{C572A759-6A51-4108-AA02-DFA0A04FC94B}">
-              <ma14:wrappingTextBoxFlag xmlns:ma14="http://schemas.microsoft.com/office/mac/drawingml/2011/main" val="1"/>
-            </a:ext>
-          </a:extLst>
-        </p:spPr>
-        <p:txBody>
           <a:bodyPr lIns="0" tIns="0" rIns="0" bIns="0">
             <a:spAutoFit/>
           </a:bodyPr>
           <a:lstStyle>
             <a:lvl1pPr algn="l" defTabSz="914400">
-              <a:defRPr b="0" sz="1400">
+              <a:defRPr sz="1400">
                 <a:solidFill>
                   <a:srgbClr val="0070C0"/>
                 </a:solidFill>
@@ -5769,14 +5702,14 @@
       </p:sp>
       <p:sp>
         <p:nvSpPr>
-          <p:cNvPr id="183" name="TextBox 25"/>
+          <p:cNvPr id="190" name="TextBox 25"/>
           <p:cNvSpPr txBox="1"/>
           <p:nvPr/>
         </p:nvSpPr>
         <p:spPr>
           <a:xfrm>
-            <a:off x="1372676" y="7881099"/>
-            <a:ext cx="1983818" cy="203201"/>
+            <a:off x="1372675" y="7881098"/>
+            <a:ext cx="1983820" cy="203201"/>
           </a:xfrm>
           <a:prstGeom prst="rect">
             <a:avLst/>
@@ -5796,13 +5729,9 @@
           </a:bodyPr>
           <a:lstStyle>
             <a:lvl1pPr algn="l" defTabSz="914400">
-              <a:defRPr b="0" sz="1400">
+              <a:defRPr sz="1400">
                 <a:solidFill>
-                  <a:schemeClr val="accent3">
-                    <a:hueOff val="362282"/>
-                    <a:satOff val="31803"/>
-                    <a:lumOff val="-18242"/>
-                  </a:schemeClr>
+                  <a:srgbClr val="1EB001"/>
                 </a:solidFill>
                 <a:latin typeface="Calibri"/>
                 <a:ea typeface="Calibri"/>
@@ -5821,53 +5750,14 @@
       </p:sp>
       <p:sp>
         <p:nvSpPr>
-          <p:cNvPr id="184" name="Straight Connector 39"/>
+          <p:cNvPr id="191" name="Rectangle"/>
           <p:cNvSpPr/>
           <p:nvPr/>
         </p:nvSpPr>
         <p:spPr>
-          <a:xfrm flipH="1">
-            <a:off x="9831098" y="4562389"/>
-            <a:ext cx="2228547" cy="1"/>
-          </a:xfrm>
-          <a:prstGeom prst="line">
-            <a:avLst/>
-          </a:prstGeom>
-          <a:ln w="38100">
-            <a:solidFill>
-              <a:srgbClr val="000000"/>
-            </a:solidFill>
-            <a:custDash>
-              <a:ds d="200000" sp="200000"/>
-            </a:custDash>
-            <a:miter lim="400000"/>
-          </a:ln>
-        </p:spPr>
-        <p:txBody>
-          <a:bodyPr lIns="45719" rIns="45719"/>
-          <a:lstStyle/>
-          <a:p>
-            <a:pPr algn="l" defTabSz="914400">
-              <a:defRPr b="0" sz="1800">
-                <a:latin typeface="Calibri"/>
-                <a:ea typeface="Calibri"/>
-                <a:cs typeface="Calibri"/>
-                <a:sym typeface="Calibri"/>
-              </a:defRPr>
-            </a:pPr>
-          </a:p>
-        </p:txBody>
-      </p:sp>
-      <p:sp>
-        <p:nvSpPr>
-          <p:cNvPr id="185" name="Rectangle"/>
-          <p:cNvSpPr/>
-          <p:nvPr/>
-        </p:nvSpPr>
-        <p:spPr>
           <a:xfrm>
-            <a:off x="11983863" y="4379808"/>
-            <a:ext cx="134004" cy="203201"/>
+            <a:off x="12135660" y="5732701"/>
+            <a:ext cx="134004" cy="302079"/>
           </a:xfrm>
           <a:prstGeom prst="rect">
             <a:avLst/>
@@ -5884,14 +5774,10 @@
           <a:lstStyle/>
           <a:p>
             <a:pPr>
-              <a:defRPr b="0" sz="2200">
+              <a:defRPr sz="2200">
                 <a:solidFill>
                   <a:srgbClr val="FFFFFF"/>
                 </a:solidFill>
-                <a:latin typeface="+mn-lt"/>
-                <a:ea typeface="+mn-ea"/>
-                <a:cs typeface="+mn-cs"/>
-                <a:sym typeface="Helvetica Neue Medium"/>
               </a:defRPr>
             </a:pPr>
           </a:p>
@@ -5899,14 +5785,14 @@
       </p:sp>
       <p:sp>
         <p:nvSpPr>
-          <p:cNvPr id="186" name="TextBox 73"/>
+          <p:cNvPr id="192" name="TextBox 73"/>
           <p:cNvSpPr txBox="1"/>
           <p:nvPr/>
         </p:nvSpPr>
         <p:spPr>
           <a:xfrm>
-            <a:off x="9665599" y="4384279"/>
-            <a:ext cx="184587" cy="292101"/>
+            <a:off x="11023452" y="5847139"/>
+            <a:ext cx="184588" cy="292101"/>
           </a:xfrm>
           <a:prstGeom prst="rect">
             <a:avLst/>
@@ -5926,7 +5812,7 @@
           </a:bodyPr>
           <a:lstStyle>
             <a:lvl1pPr algn="l" defTabSz="914400">
-              <a:defRPr b="0" sz="2000">
+              <a:defRPr sz="2000">
                 <a:latin typeface="Calibri"/>
                 <a:ea typeface="Calibri"/>
                 <a:cs typeface="Calibri"/>
@@ -5944,14 +5830,14 @@
       </p:sp>
       <p:sp>
         <p:nvSpPr>
-          <p:cNvPr id="187" name="TextBox 32"/>
+          <p:cNvPr id="193" name="TextBox 32"/>
           <p:cNvSpPr txBox="1"/>
           <p:nvPr/>
         </p:nvSpPr>
         <p:spPr>
           <a:xfrm>
-            <a:off x="6371882" y="3706948"/>
-            <a:ext cx="152401" cy="292101"/>
+            <a:off x="7858638" y="4928471"/>
+            <a:ext cx="152402" cy="292101"/>
           </a:xfrm>
           <a:prstGeom prst="rect">
             <a:avLst/>
@@ -5971,13 +5857,9 @@
           </a:bodyPr>
           <a:lstStyle>
             <a:lvl1pPr algn="l" defTabSz="914400">
-              <a:defRPr b="0" sz="2000">
+              <a:defRPr sz="2000">
                 <a:solidFill>
-                  <a:schemeClr val="accent5">
-                    <a:hueOff val="-82419"/>
-                    <a:satOff val="-9513"/>
-                    <a:lumOff val="-16343"/>
-                  </a:schemeClr>
+                  <a:srgbClr val="EE230C"/>
                 </a:solidFill>
                 <a:latin typeface="Calibri"/>
                 <a:ea typeface="Calibri"/>
@@ -5996,14 +5878,14 @@
       </p:sp>
       <p:sp>
         <p:nvSpPr>
-          <p:cNvPr id="188" name="TextBox 32"/>
+          <p:cNvPr id="194" name="TextBox 32"/>
           <p:cNvSpPr txBox="1"/>
           <p:nvPr/>
         </p:nvSpPr>
         <p:spPr>
           <a:xfrm>
-            <a:off x="6344089" y="4481072"/>
-            <a:ext cx="152401" cy="292101"/>
+            <a:off x="7846105" y="6037373"/>
+            <a:ext cx="152403" cy="292101"/>
           </a:xfrm>
           <a:prstGeom prst="rect">
             <a:avLst/>
@@ -6023,13 +5905,9 @@
           </a:bodyPr>
           <a:lstStyle>
             <a:lvl1pPr algn="l" defTabSz="914400">
-              <a:defRPr b="0" sz="2000">
+              <a:defRPr sz="2000">
                 <a:solidFill>
-                  <a:schemeClr val="accent5">
-                    <a:hueOff val="-82419"/>
-                    <a:satOff val="-9513"/>
-                    <a:lumOff val="-16343"/>
-                  </a:schemeClr>
+                  <a:srgbClr val="EE230C"/>
                 </a:solidFill>
                 <a:latin typeface="Calibri"/>
                 <a:ea typeface="Calibri"/>
@@ -6048,54 +5926,43 @@
       </p:sp>
       <p:sp>
         <p:nvSpPr>
-          <p:cNvPr id="189" name="Straight Arrow Connector 41"/>
+          <p:cNvPr id="195" name="Straight Arrow Connector 41"/>
           <p:cNvSpPr/>
           <p:nvPr/>
         </p:nvSpPr>
         <p:spPr>
           <a:xfrm>
-            <a:off x="9701726" y="4265114"/>
-            <a:ext cx="1384336" cy="1"/>
+            <a:off x="11033137" y="5655340"/>
+            <a:ext cx="295827" cy="1"/>
           </a:xfrm>
           <a:prstGeom prst="line">
             <a:avLst/>
           </a:prstGeom>
           <a:ln w="25400">
             <a:solidFill>
-              <a:schemeClr val="accent5">
-                <a:hueOff val="-82419"/>
-                <a:satOff val="-9513"/>
-                <a:lumOff val="-16343"/>
-              </a:schemeClr>
+              <a:srgbClr val="EE230C"/>
             </a:solidFill>
             <a:miter lim="400000"/>
           </a:ln>
         </p:spPr>
         <p:txBody>
-          <a:bodyPr lIns="45719" rIns="45719"/>
+          <a:bodyPr lIns="45718" tIns="45718" rIns="45718" bIns="45718"/>
           <a:lstStyle/>
           <a:p>
-            <a:pPr algn="l" defTabSz="914400">
-              <a:defRPr b="0" sz="1800">
-                <a:latin typeface="Calibri"/>
-                <a:ea typeface="Calibri"/>
-                <a:cs typeface="Calibri"/>
-                <a:sym typeface="Calibri"/>
-              </a:defRPr>
-            </a:pPr>
-          </a:p>
-        </p:txBody>
-      </p:sp>
-      <p:sp>
-        <p:nvSpPr>
-          <p:cNvPr id="190" name="TextBox 32"/>
+            <a:pPr/>
+          </a:p>
+        </p:txBody>
+      </p:sp>
+      <p:sp>
+        <p:nvSpPr>
+          <p:cNvPr id="196" name="TextBox 32"/>
           <p:cNvSpPr txBox="1"/>
           <p:nvPr/>
         </p:nvSpPr>
         <p:spPr>
           <a:xfrm>
-            <a:off x="11075945" y="4109448"/>
-            <a:ext cx="152401" cy="292101"/>
+            <a:off x="9763350" y="4359372"/>
+            <a:ext cx="152402" cy="292101"/>
           </a:xfrm>
           <a:prstGeom prst="rect">
             <a:avLst/>
@@ -6115,13 +5982,9 @@
           </a:bodyPr>
           <a:lstStyle>
             <a:lvl1pPr algn="l" defTabSz="914400">
-              <a:defRPr b="0" sz="2000">
+              <a:defRPr sz="2000">
                 <a:solidFill>
-                  <a:schemeClr val="accent5">
-                    <a:hueOff val="-82419"/>
-                    <a:satOff val="-9513"/>
-                    <a:lumOff val="-16343"/>
-                  </a:schemeClr>
+                  <a:srgbClr val="EE230C"/>
                 </a:solidFill>
                 <a:latin typeface="Calibri"/>
                 <a:ea typeface="Calibri"/>
@@ -6140,13 +6003,13 @@
       </p:sp>
       <p:sp>
         <p:nvSpPr>
-          <p:cNvPr id="191" name="ReadOnlyAddressBook()"/>
+          <p:cNvPr id="197" name="ReadOnlyAddressBook()"/>
           <p:cNvSpPr txBox="1"/>
           <p:nvPr/>
         </p:nvSpPr>
         <p:spPr>
           <a:xfrm>
-            <a:off x="9597159" y="3969521"/>
+            <a:off x="10925520" y="5234253"/>
             <a:ext cx="1593470" cy="250317"/>
           </a:xfrm>
           <a:prstGeom prst="rect">
@@ -6167,7 +6030,12 @@
           </a:bodyPr>
           <a:lstStyle>
             <a:lvl1pPr>
-              <a:defRPr sz="1000"/>
+              <a:defRPr b="1" sz="1000">
+                <a:latin typeface="+mn-lt"/>
+                <a:ea typeface="+mn-ea"/>
+                <a:cs typeface="+mn-cs"/>
+                <a:sym typeface="Helvetica Neue"/>
+              </a:defRPr>
             </a:lvl1pPr>
           </a:lstStyle>
           <a:p>
@@ -6180,14 +6048,14 @@
       </p:sp>
       <p:sp>
         <p:nvSpPr>
-          <p:cNvPr id="192" name="ReadOnlyAddressBook"/>
+          <p:cNvPr id="198" name="TextBox 25"/>
           <p:cNvSpPr txBox="1"/>
           <p:nvPr/>
         </p:nvSpPr>
         <p:spPr>
           <a:xfrm>
-            <a:off x="9737553" y="4327000"/>
-            <a:ext cx="1518286" cy="250317"/>
+            <a:off x="3786938" y="3542006"/>
+            <a:ext cx="1983820" cy="203201"/>
           </a:xfrm>
           <a:prstGeom prst="rect">
             <a:avLst/>
@@ -6202,26 +6070,327 @@
           </a:extLst>
         </p:spPr>
         <p:txBody>
+          <a:bodyPr lIns="0" tIns="0" rIns="0" bIns="0">
+            <a:spAutoFit/>
+          </a:bodyPr>
+          <a:lstStyle>
+            <a:lvl1pPr algn="l" defTabSz="914400">
+              <a:defRPr sz="1400">
+                <a:solidFill>
+                  <a:srgbClr val="0070C0"/>
+                </a:solidFill>
+                <a:latin typeface="Calibri"/>
+                <a:ea typeface="Calibri"/>
+                <a:cs typeface="Calibri"/>
+                <a:sym typeface="Calibri"/>
+              </a:defRPr>
+            </a:lvl1pPr>
+          </a:lstStyle>
+          <a:p>
+            <a:pPr/>
+            <a:r>
+              <a:t>LoadCommand</a:t>
+            </a:r>
+          </a:p>
+        </p:txBody>
+      </p:sp>
+      <p:sp>
+        <p:nvSpPr>
+          <p:cNvPr id="199" name="TextBox 73"/>
+          <p:cNvSpPr txBox="1"/>
+          <p:nvPr/>
+        </p:nvSpPr>
+        <p:spPr>
+          <a:xfrm>
+            <a:off x="8124349" y="4863702"/>
+            <a:ext cx="3061844" cy="203201"/>
+          </a:xfrm>
+          <a:prstGeom prst="rect">
+            <a:avLst/>
+          </a:prstGeom>
+          <a:ln w="12700">
+            <a:miter lim="400000"/>
+          </a:ln>
+          <a:extLst>
+            <a:ext uri="{C572A759-6A51-4108-AA02-DFA0A04FC94B}">
+              <ma14:wrappingTextBoxFlag xmlns:ma14="http://schemas.microsoft.com/office/mac/drawingml/2011/main" val="1"/>
+            </a:ext>
+          </a:extLst>
+        </p:spPr>
+        <p:txBody>
+          <a:bodyPr lIns="0" tIns="0" rIns="0" bIns="0">
+            <a:spAutoFit/>
+          </a:bodyPr>
+          <a:lstStyle>
+            <a:lvl1pPr algn="l" defTabSz="914400">
+              <a:defRPr sz="1400">
+                <a:solidFill>
+                  <a:srgbClr val="E46C0A"/>
+                </a:solidFill>
+                <a:latin typeface="Calibri"/>
+                <a:ea typeface="Calibri"/>
+                <a:cs typeface="Calibri"/>
+                <a:sym typeface="Calibri"/>
+              </a:defRPr>
+            </a:lvl1pPr>
+          </a:lstStyle>
+          <a:p>
+            <a:pPr/>
+            <a:r>
+              <a:t>XmlAddressBookStorage</a:t>
+            </a:r>
+          </a:p>
+        </p:txBody>
+      </p:sp>
+      <p:sp>
+        <p:nvSpPr>
+          <p:cNvPr id="200" name="TextBox 73"/>
+          <p:cNvSpPr txBox="1"/>
+          <p:nvPr/>
+        </p:nvSpPr>
+        <p:spPr>
+          <a:xfrm>
+            <a:off x="8017294" y="5931620"/>
+            <a:ext cx="3061844" cy="203201"/>
+          </a:xfrm>
+          <a:prstGeom prst="rect">
+            <a:avLst/>
+          </a:prstGeom>
+          <a:ln w="12700">
+            <a:miter lim="400000"/>
+          </a:ln>
+          <a:extLst>
+            <a:ext uri="{C572A759-6A51-4108-AA02-DFA0A04FC94B}">
+              <ma14:wrappingTextBoxFlag xmlns:ma14="http://schemas.microsoft.com/office/mac/drawingml/2011/main" val="1"/>
+            </a:ext>
+          </a:extLst>
+        </p:spPr>
+        <p:txBody>
+          <a:bodyPr lIns="0" tIns="0" rIns="0" bIns="0">
+            <a:spAutoFit/>
+          </a:bodyPr>
+          <a:lstStyle>
+            <a:lvl1pPr algn="l" defTabSz="914400">
+              <a:defRPr sz="1400">
+                <a:solidFill>
+                  <a:srgbClr val="E46C0A"/>
+                </a:solidFill>
+                <a:latin typeface="Calibri"/>
+                <a:ea typeface="Calibri"/>
+                <a:cs typeface="Calibri"/>
+                <a:sym typeface="Calibri"/>
+              </a:defRPr>
+            </a:lvl1pPr>
+          </a:lstStyle>
+          <a:p>
+            <a:pPr/>
+            <a:r>
+              <a:t>ReadOnlyAddressBook</a:t>
+            </a:r>
+          </a:p>
+        </p:txBody>
+      </p:sp>
+      <p:sp>
+        <p:nvSpPr>
+          <p:cNvPr id="201" name="Straight Arrow Connector 43"/>
+          <p:cNvSpPr/>
+          <p:nvPr/>
+        </p:nvSpPr>
+        <p:spPr>
+          <a:xfrm flipV="1">
+            <a:off x="10940034" y="5149121"/>
+            <a:ext cx="1" cy="1124997"/>
+          </a:xfrm>
+          <a:prstGeom prst="line">
+            <a:avLst/>
+          </a:prstGeom>
+          <a:ln w="38100">
+            <a:solidFill>
+              <a:srgbClr val="EE230C"/>
+            </a:solidFill>
+            <a:custDash>
+              <a:ds d="200000" sp="200000"/>
+            </a:custDash>
+            <a:miter lim="400000"/>
+          </a:ln>
+        </p:spPr>
+        <p:txBody>
+          <a:bodyPr lIns="45718" tIns="45718" rIns="45718" bIns="45718"/>
+          <a:lstStyle/>
+          <a:p>
+            <a:pPr/>
+          </a:p>
+        </p:txBody>
+      </p:sp>
+      <p:sp>
+        <p:nvSpPr>
+          <p:cNvPr id="202" name="TextBox 32"/>
+          <p:cNvSpPr txBox="1"/>
+          <p:nvPr/>
+        </p:nvSpPr>
+        <p:spPr>
+          <a:xfrm>
+            <a:off x="10804087" y="5346852"/>
+            <a:ext cx="152402" cy="292101"/>
+          </a:xfrm>
+          <a:prstGeom prst="rect">
+            <a:avLst/>
+          </a:prstGeom>
+          <a:ln w="12700">
+            <a:miter lim="400000"/>
+          </a:ln>
+          <a:extLst>
+            <a:ext uri="{C572A759-6A51-4108-AA02-DFA0A04FC94B}">
+              <ma14:wrappingTextBoxFlag xmlns:ma14="http://schemas.microsoft.com/office/mac/drawingml/2011/main" val="1"/>
+            </a:ext>
+          </a:extLst>
+        </p:spPr>
+        <p:txBody>
+          <a:bodyPr lIns="0" tIns="0" rIns="0" bIns="0">
+            <a:spAutoFit/>
+          </a:bodyPr>
+          <a:lstStyle>
+            <a:lvl1pPr algn="l" defTabSz="914400">
+              <a:defRPr sz="2000">
+                <a:solidFill>
+                  <a:srgbClr val="EE230C"/>
+                </a:solidFill>
+                <a:latin typeface="Calibri"/>
+                <a:ea typeface="Calibri"/>
+                <a:cs typeface="Calibri"/>
+                <a:sym typeface="Calibri"/>
+              </a:defRPr>
+            </a:lvl1pPr>
+          </a:lstStyle>
+          <a:p>
+            <a:pPr/>
+            <a:r>
+              <a:t>&gt;</a:t>
+            </a:r>
+          </a:p>
+        </p:txBody>
+      </p:sp>
+      <p:sp>
+        <p:nvSpPr>
+          <p:cNvPr id="203" name="Straight Connector 39"/>
+          <p:cNvSpPr/>
+          <p:nvPr/>
+        </p:nvSpPr>
+        <p:spPr>
+          <a:xfrm flipH="1">
+            <a:off x="11040390" y="6009579"/>
+            <a:ext cx="1128716" cy="1"/>
+          </a:xfrm>
+          <a:prstGeom prst="line">
+            <a:avLst/>
+          </a:prstGeom>
+          <a:ln w="38100">
+            <a:solidFill>
+              <a:srgbClr val="000000"/>
+            </a:solidFill>
+            <a:custDash>
+              <a:ds d="200000" sp="200000"/>
+            </a:custDash>
+            <a:miter lim="400000"/>
+          </a:ln>
+        </p:spPr>
+        <p:txBody>
+          <a:bodyPr lIns="45718" tIns="45718" rIns="45718" bIns="45718"/>
+          <a:lstStyle/>
+          <a:p>
+            <a:pPr/>
+          </a:p>
+        </p:txBody>
+      </p:sp>
+      <p:sp>
+        <p:nvSpPr>
+          <p:cNvPr id="204" name="ReadOnlyAddressBook()"/>
+          <p:cNvSpPr txBox="1"/>
+          <p:nvPr/>
+        </p:nvSpPr>
+        <p:spPr>
+          <a:xfrm>
+            <a:off x="11023452" y="5993189"/>
+            <a:ext cx="1593470" cy="250318"/>
+          </a:xfrm>
+          <a:prstGeom prst="rect">
+            <a:avLst/>
+          </a:prstGeom>
+          <a:ln w="12700">
+            <a:miter lim="400000"/>
+          </a:ln>
+          <a:extLst>
+            <a:ext uri="{C572A759-6A51-4108-AA02-DFA0A04FC94B}">
+              <ma14:wrappingTextBoxFlag xmlns:ma14="http://schemas.microsoft.com/office/mac/drawingml/2011/main" val="1"/>
+            </a:ext>
+          </a:extLst>
+        </p:spPr>
+        <p:txBody>
           <a:bodyPr wrap="none" lIns="50800" tIns="50800" rIns="50800" bIns="50800" anchor="ctr">
             <a:spAutoFit/>
           </a:bodyPr>
           <a:lstStyle>
             <a:lvl1pPr>
-              <a:defRPr sz="1000">
-                <a:solidFill>
-                  <a:schemeClr val="accent5">
-                    <a:hueOff val="-82419"/>
-                    <a:satOff val="-9513"/>
-                    <a:lumOff val="-16343"/>
-                  </a:schemeClr>
-                </a:solidFill>
+              <a:defRPr b="1" sz="1000">
+                <a:latin typeface="+mn-lt"/>
+                <a:ea typeface="+mn-ea"/>
+                <a:cs typeface="+mn-cs"/>
+                <a:sym typeface="Helvetica Neue"/>
               </a:defRPr>
             </a:lvl1pPr>
           </a:lstStyle>
           <a:p>
             <a:pPr/>
             <a:r>
-              <a:t>ReadOnlyAddressBook</a:t>
+              <a:t>ReadOnlyAddressBook()</a:t>
+            </a:r>
+          </a:p>
+        </p:txBody>
+      </p:sp>
+      <p:sp>
+        <p:nvSpPr>
+          <p:cNvPr id="205" name="TextBox 32"/>
+          <p:cNvSpPr txBox="1"/>
+          <p:nvPr/>
+        </p:nvSpPr>
+        <p:spPr>
+          <a:xfrm>
+            <a:off x="11296664" y="5509290"/>
+            <a:ext cx="152402" cy="292101"/>
+          </a:xfrm>
+          <a:prstGeom prst="rect">
+            <a:avLst/>
+          </a:prstGeom>
+          <a:ln w="12700">
+            <a:miter lim="400000"/>
+          </a:ln>
+          <a:extLst>
+            <a:ext uri="{C572A759-6A51-4108-AA02-DFA0A04FC94B}">
+              <ma14:wrappingTextBoxFlag xmlns:ma14="http://schemas.microsoft.com/office/mac/drawingml/2011/main" val="1"/>
+            </a:ext>
+          </a:extLst>
+        </p:spPr>
+        <p:txBody>
+          <a:bodyPr lIns="0" tIns="0" rIns="0" bIns="0">
+            <a:spAutoFit/>
+          </a:bodyPr>
+          <a:lstStyle>
+            <a:lvl1pPr algn="l" defTabSz="914400">
+              <a:defRPr sz="2000">
+                <a:solidFill>
+                  <a:srgbClr val="EE230C"/>
+                </a:solidFill>
+                <a:latin typeface="Calibri"/>
+                <a:ea typeface="Calibri"/>
+                <a:cs typeface="Calibri"/>
+                <a:sym typeface="Calibri"/>
+              </a:defRPr>
+            </a:lvl1pPr>
+          </a:lstStyle>
+          <a:p>
+            <a:pPr/>
+            <a:r>
+              <a:t>&gt;</a:t>
             </a:r>
           </a:p>
         </p:txBody>
@@ -6246,10 +6415,10 @@
         <a:srgbClr val="FFFFFF"/>
       </a:lt1>
       <a:dk2>
-        <a:srgbClr val="5E5E5E"/>
+        <a:srgbClr val="A7A7A7"/>
       </a:dk2>
       <a:lt2>
-        <a:srgbClr val="D6D5D5"/>
+        <a:srgbClr val="535353"/>
       </a:lt2>
       <a:accent1>
         <a:srgbClr val="00A2FF"/>
@@ -6278,14 +6447,14 @@
     </a:clrScheme>
     <a:fontScheme name="White">
       <a:majorFont>
-        <a:latin typeface="Helvetica Neue Medium"/>
-        <a:ea typeface="Helvetica Neue Medium"/>
-        <a:cs typeface="Helvetica Neue Medium"/>
+        <a:latin typeface="Helvetica"/>
+        <a:ea typeface="Helvetica"/>
+        <a:cs typeface="Helvetica"/>
       </a:majorFont>
       <a:minorFont>
-        <a:latin typeface="Helvetica Neue Medium"/>
-        <a:ea typeface="Helvetica Neue Medium"/>
-        <a:cs typeface="Helvetica Neue Medium"/>
+        <a:latin typeface="Helvetica Neue"/>
+        <a:ea typeface="Helvetica Neue"/>
+        <a:cs typeface="Helvetica Neue"/>
       </a:minorFont>
     </a:fontScheme>
     <a:fmtScheme name="White">
@@ -6426,11 +6595,14 @@
     <a:spDef>
       <a:spPr>
         <a:solidFill>
-          <a:schemeClr val="accent1"/>
+          <a:srgbClr val="FFFFFF"/>
         </a:solidFill>
-        <a:ln w="12700" cap="flat">
-          <a:noFill/>
-          <a:miter lim="400000"/>
+        <a:ln w="25400" cap="flat">
+          <a:solidFill>
+            <a:schemeClr val="accent1"/>
+          </a:solidFill>
+          <a:prstDash val="solid"/>
+          <a:round/>
         </a:ln>
         <a:effectLst/>
         <a:sp3d/>
@@ -6454,18 +6626,18 @@
           <a:buFontTx/>
           <a:buNone/>
           <a:tabLst/>
-          <a:defRPr b="0" baseline="0" cap="none" i="0" spc="0" strike="noStrike" sz="2200" u="none" kumimoji="0" normalizeH="0">
+          <a:defRPr b="0" baseline="0" cap="none" i="0" spc="0" strike="noStrike" sz="2400" u="none" kumimoji="0" normalizeH="0">
             <a:ln>
               <a:noFill/>
             </a:ln>
             <a:solidFill>
-              <a:srgbClr val="FFFFFF"/>
+              <a:srgbClr val="000000"/>
             </a:solidFill>
             <a:effectLst/>
             <a:uFillTx/>
-            <a:latin typeface="+mn-lt"/>
-            <a:ea typeface="+mn-ea"/>
-            <a:cs typeface="+mn-cs"/>
+            <a:latin typeface="Helvetica Neue Medium"/>
+            <a:ea typeface="Helvetica Neue Medium"/>
+            <a:cs typeface="Helvetica Neue Medium"/>
             <a:sym typeface="Helvetica Neue Medium"/>
           </a:defRPr>
         </a:defPPr>
@@ -6716,10 +6888,10 @@
         <a:noFill/>
         <a:ln w="25400" cap="flat">
           <a:solidFill>
-            <a:srgbClr val="000000"/>
+            <a:schemeClr val="accent1"/>
           </a:solidFill>
           <a:prstDash val="solid"/>
-          <a:miter lim="400000"/>
+          <a:round/>
         </a:ln>
         <a:effectLst/>
         <a:sp3d/>
@@ -7025,7 +7197,7 @@
           <a:buFontTx/>
           <a:buNone/>
           <a:tabLst/>
-          <a:defRPr b="1" baseline="0" cap="none" i="0" spc="0" strike="noStrike" sz="2400" u="none" kumimoji="0" normalizeH="0">
+          <a:defRPr b="0" baseline="0" cap="none" i="0" spc="0" strike="noStrike" sz="2400" u="none" kumimoji="0" normalizeH="0">
             <a:ln>
               <a:noFill/>
             </a:ln>
@@ -7034,10 +7206,10 @@
             </a:solidFill>
             <a:effectLst/>
             <a:uFillTx/>
-            <a:latin typeface="Helvetica Neue"/>
-            <a:ea typeface="Helvetica Neue"/>
-            <a:cs typeface="Helvetica Neue"/>
-            <a:sym typeface="Helvetica Neue"/>
+            <a:latin typeface="Helvetica Neue Medium"/>
+            <a:ea typeface="Helvetica Neue Medium"/>
+            <a:cs typeface="Helvetica Neue Medium"/>
+            <a:sym typeface="Helvetica Neue Medium"/>
           </a:defRPr>
         </a:defPPr>
         <a:lvl1pPr marL="0" marR="0" indent="0" algn="l" defTabSz="914400" rtl="0" fontAlgn="auto" latinLnBrk="1" hangingPunct="0">
@@ -7297,10 +7469,10 @@
         <a:srgbClr val="FFFFFF"/>
       </a:lt1>
       <a:dk2>
-        <a:srgbClr val="5E5E5E"/>
+        <a:srgbClr val="A7A7A7"/>
       </a:dk2>
       <a:lt2>
-        <a:srgbClr val="D6D5D5"/>
+        <a:srgbClr val="535353"/>
       </a:lt2>
       <a:accent1>
         <a:srgbClr val="00A2FF"/>
@@ -7329,14 +7501,14 @@
     </a:clrScheme>
     <a:fontScheme name="White">
       <a:majorFont>
-        <a:latin typeface="Helvetica Neue Medium"/>
-        <a:ea typeface="Helvetica Neue Medium"/>
-        <a:cs typeface="Helvetica Neue Medium"/>
+        <a:latin typeface="Helvetica"/>
+        <a:ea typeface="Helvetica"/>
+        <a:cs typeface="Helvetica"/>
       </a:majorFont>
       <a:minorFont>
-        <a:latin typeface="Helvetica Neue Medium"/>
-        <a:ea typeface="Helvetica Neue Medium"/>
-        <a:cs typeface="Helvetica Neue Medium"/>
+        <a:latin typeface="Helvetica Neue"/>
+        <a:ea typeface="Helvetica Neue"/>
+        <a:cs typeface="Helvetica Neue"/>
       </a:minorFont>
     </a:fontScheme>
     <a:fmtScheme name="White">
@@ -7477,11 +7649,14 @@
     <a:spDef>
       <a:spPr>
         <a:solidFill>
-          <a:schemeClr val="accent1"/>
+          <a:srgbClr val="FFFFFF"/>
         </a:solidFill>
-        <a:ln w="12700" cap="flat">
-          <a:noFill/>
-          <a:miter lim="400000"/>
+        <a:ln w="25400" cap="flat">
+          <a:solidFill>
+            <a:schemeClr val="accent1"/>
+          </a:solidFill>
+          <a:prstDash val="solid"/>
+          <a:round/>
         </a:ln>
         <a:effectLst/>
         <a:sp3d/>
@@ -7505,18 +7680,18 @@
           <a:buFontTx/>
           <a:buNone/>
           <a:tabLst/>
-          <a:defRPr b="0" baseline="0" cap="none" i="0" spc="0" strike="noStrike" sz="2200" u="none" kumimoji="0" normalizeH="0">
+          <a:defRPr b="0" baseline="0" cap="none" i="0" spc="0" strike="noStrike" sz="2400" u="none" kumimoji="0" normalizeH="0">
             <a:ln>
               <a:noFill/>
             </a:ln>
             <a:solidFill>
-              <a:srgbClr val="FFFFFF"/>
+              <a:srgbClr val="000000"/>
             </a:solidFill>
             <a:effectLst/>
             <a:uFillTx/>
-            <a:latin typeface="+mn-lt"/>
-            <a:ea typeface="+mn-ea"/>
-            <a:cs typeface="+mn-cs"/>
+            <a:latin typeface="Helvetica Neue Medium"/>
+            <a:ea typeface="Helvetica Neue Medium"/>
+            <a:cs typeface="Helvetica Neue Medium"/>
             <a:sym typeface="Helvetica Neue Medium"/>
           </a:defRPr>
         </a:defPPr>
@@ -7767,10 +7942,10 @@
         <a:noFill/>
         <a:ln w="25400" cap="flat">
           <a:solidFill>
-            <a:srgbClr val="000000"/>
+            <a:schemeClr val="accent1"/>
           </a:solidFill>
           <a:prstDash val="solid"/>
-          <a:miter lim="400000"/>
+          <a:round/>
         </a:ln>
         <a:effectLst/>
         <a:sp3d/>
@@ -8076,7 +8251,7 @@
           <a:buFontTx/>
           <a:buNone/>
           <a:tabLst/>
-          <a:defRPr b="1" baseline="0" cap="none" i="0" spc="0" strike="noStrike" sz="2400" u="none" kumimoji="0" normalizeH="0">
+          <a:defRPr b="0" baseline="0" cap="none" i="0" spc="0" strike="noStrike" sz="2400" u="none" kumimoji="0" normalizeH="0">
             <a:ln>
               <a:noFill/>
             </a:ln>
@@ -8085,10 +8260,10 @@
             </a:solidFill>
             <a:effectLst/>
             <a:uFillTx/>
-            <a:latin typeface="Helvetica Neue"/>
-            <a:ea typeface="Helvetica Neue"/>
-            <a:cs typeface="Helvetica Neue"/>
-            <a:sym typeface="Helvetica Neue"/>
+            <a:latin typeface="Helvetica Neue Medium"/>
+            <a:ea typeface="Helvetica Neue Medium"/>
+            <a:cs typeface="Helvetica Neue Medium"/>
+            <a:sym typeface="Helvetica Neue Medium"/>
           </a:defRPr>
         </a:defPPr>
         <a:lvl1pPr marL="0" marR="0" indent="0" algn="l" defTabSz="914400" rtl="0" fontAlgn="auto" latinLnBrk="1" hangingPunct="0">
